--- a/WhyR.pptx
+++ b/WhyR.pptx
@@ -19,6 +19,9 @@
     <p:sldId id="267" r:id="rId13"/>
     <p:sldId id="268" r:id="rId14"/>
     <p:sldId id="269" r:id="rId15"/>
+    <p:sldId id="270" r:id="rId16"/>
+    <p:sldId id="271" r:id="rId17"/>
+    <p:sldId id="272" r:id="rId18"/>
   </p:sldIdLst>
   <p:sldSz cx="12192000" cy="6858000"/>
   <p:notesSz cx="6858000" cy="9144000"/>
@@ -272,7 +275,7 @@
           <a:p>
             <a:fld id="{7C6502FD-CDA4-494E-A885-084BCF9D8389}" type="datetimeFigureOut">
               <a:rPr lang="en-US" smtClean="0"/>
-              <a:t>1/25/2021</a:t>
+              <a:t>2/8/2021</a:t>
             </a:fld>
             <a:endParaRPr lang="en-US"/>
           </a:p>
@@ -470,7 +473,7 @@
           <a:p>
             <a:fld id="{7C6502FD-CDA4-494E-A885-084BCF9D8389}" type="datetimeFigureOut">
               <a:rPr lang="en-US" smtClean="0"/>
-              <a:t>1/25/2021</a:t>
+              <a:t>2/8/2021</a:t>
             </a:fld>
             <a:endParaRPr lang="en-US"/>
           </a:p>
@@ -678,7 +681,7 @@
           <a:p>
             <a:fld id="{7C6502FD-CDA4-494E-A885-084BCF9D8389}" type="datetimeFigureOut">
               <a:rPr lang="en-US" smtClean="0"/>
-              <a:t>1/25/2021</a:t>
+              <a:t>2/8/2021</a:t>
             </a:fld>
             <a:endParaRPr lang="en-US"/>
           </a:p>
@@ -876,7 +879,7 @@
           <a:p>
             <a:fld id="{7C6502FD-CDA4-494E-A885-084BCF9D8389}" type="datetimeFigureOut">
               <a:rPr lang="en-US" smtClean="0"/>
-              <a:t>1/25/2021</a:t>
+              <a:t>2/8/2021</a:t>
             </a:fld>
             <a:endParaRPr lang="en-US"/>
           </a:p>
@@ -1151,7 +1154,7 @@
           <a:p>
             <a:fld id="{7C6502FD-CDA4-494E-A885-084BCF9D8389}" type="datetimeFigureOut">
               <a:rPr lang="en-US" smtClean="0"/>
-              <a:t>1/25/2021</a:t>
+              <a:t>2/8/2021</a:t>
             </a:fld>
             <a:endParaRPr lang="en-US"/>
           </a:p>
@@ -1416,7 +1419,7 @@
           <a:p>
             <a:fld id="{7C6502FD-CDA4-494E-A885-084BCF9D8389}" type="datetimeFigureOut">
               <a:rPr lang="en-US" smtClean="0"/>
-              <a:t>1/25/2021</a:t>
+              <a:t>2/8/2021</a:t>
             </a:fld>
             <a:endParaRPr lang="en-US"/>
           </a:p>
@@ -1828,7 +1831,7 @@
           <a:p>
             <a:fld id="{7C6502FD-CDA4-494E-A885-084BCF9D8389}" type="datetimeFigureOut">
               <a:rPr lang="en-US" smtClean="0"/>
-              <a:t>1/25/2021</a:t>
+              <a:t>2/8/2021</a:t>
             </a:fld>
             <a:endParaRPr lang="en-US"/>
           </a:p>
@@ -1969,7 +1972,7 @@
           <a:p>
             <a:fld id="{7C6502FD-CDA4-494E-A885-084BCF9D8389}" type="datetimeFigureOut">
               <a:rPr lang="en-US" smtClean="0"/>
-              <a:t>1/25/2021</a:t>
+              <a:t>2/8/2021</a:t>
             </a:fld>
             <a:endParaRPr lang="en-US"/>
           </a:p>
@@ -2082,7 +2085,7 @@
           <a:p>
             <a:fld id="{7C6502FD-CDA4-494E-A885-084BCF9D8389}" type="datetimeFigureOut">
               <a:rPr lang="en-US" smtClean="0"/>
-              <a:t>1/25/2021</a:t>
+              <a:t>2/8/2021</a:t>
             </a:fld>
             <a:endParaRPr lang="en-US"/>
           </a:p>
@@ -2393,7 +2396,7 @@
           <a:p>
             <a:fld id="{7C6502FD-CDA4-494E-A885-084BCF9D8389}" type="datetimeFigureOut">
               <a:rPr lang="en-US" smtClean="0"/>
-              <a:t>1/25/2021</a:t>
+              <a:t>2/8/2021</a:t>
             </a:fld>
             <a:endParaRPr lang="en-US"/>
           </a:p>
@@ -2681,7 +2684,7 @@
           <a:p>
             <a:fld id="{7C6502FD-CDA4-494E-A885-084BCF9D8389}" type="datetimeFigureOut">
               <a:rPr lang="en-US" smtClean="0"/>
-              <a:t>1/25/2021</a:t>
+              <a:t>2/8/2021</a:t>
             </a:fld>
             <a:endParaRPr lang="en-US"/>
           </a:p>
@@ -2922,7 +2925,7 @@
           <a:p>
             <a:fld id="{7C6502FD-CDA4-494E-A885-084BCF9D8389}" type="datetimeFigureOut">
               <a:rPr lang="en-US" smtClean="0"/>
-              <a:t>1/25/2021</a:t>
+              <a:t>2/8/2021</a:t>
             </a:fld>
             <a:endParaRPr lang="en-US"/>
           </a:p>
@@ -6187,6 +6190,3467 @@
 </p:sld>
 </file>
 
+<file path=ppt/slides/slide15.xml><?xml version="1.0" encoding="utf-8"?>
+<p:sld xmlns:a="http://schemas.openxmlformats.org/drawingml/2006/main" xmlns:r="http://schemas.openxmlformats.org/officeDocument/2006/relationships" xmlns:p="http://schemas.openxmlformats.org/presentationml/2006/main">
+  <p:cSld>
+    <p:spTree>
+      <p:nvGrpSpPr>
+        <p:cNvPr id="1" name=""/>
+        <p:cNvGrpSpPr/>
+        <p:nvPr/>
+      </p:nvGrpSpPr>
+      <p:grpSpPr>
+        <a:xfrm>
+          <a:off x="0" y="0"/>
+          <a:ext cx="0" cy="0"/>
+          <a:chOff x="0" y="0"/>
+          <a:chExt cx="0" cy="0"/>
+        </a:xfrm>
+      </p:grpSpPr>
+      <p:sp>
+        <p:nvSpPr>
+          <p:cNvPr id="3" name="Rectangle: Rounded Corners 2">
+            <a:extLst>
+              <a:ext uri="{FF2B5EF4-FFF2-40B4-BE49-F238E27FC236}">
+                <a16:creationId xmlns:a16="http://schemas.microsoft.com/office/drawing/2014/main" id="{4F20338E-39FF-4698-910C-1A35AF1C10D4}"/>
+              </a:ext>
+            </a:extLst>
+          </p:cNvPr>
+          <p:cNvSpPr/>
+          <p:nvPr/>
+        </p:nvSpPr>
+        <p:spPr>
+          <a:xfrm>
+            <a:off x="3231846" y="1317072"/>
+            <a:ext cx="4710418" cy="486561"/>
+          </a:xfrm>
+          <a:prstGeom prst="roundRect">
+            <a:avLst/>
+          </a:prstGeom>
+          <a:solidFill>
+            <a:schemeClr val="accent2">
+              <a:lumMod val="60000"/>
+              <a:lumOff val="40000"/>
+            </a:schemeClr>
+          </a:solidFill>
+          <a:ln>
+            <a:solidFill>
+              <a:schemeClr val="accent2">
+                <a:lumMod val="75000"/>
+              </a:schemeClr>
+            </a:solidFill>
+          </a:ln>
+        </p:spPr>
+        <p:style>
+          <a:lnRef idx="2">
+            <a:schemeClr val="accent1">
+              <a:shade val="50000"/>
+            </a:schemeClr>
+          </a:lnRef>
+          <a:fillRef idx="1">
+            <a:schemeClr val="accent1"/>
+          </a:fillRef>
+          <a:effectRef idx="0">
+            <a:schemeClr val="accent1"/>
+          </a:effectRef>
+          <a:fontRef idx="minor">
+            <a:schemeClr val="lt1"/>
+          </a:fontRef>
+        </p:style>
+        <p:txBody>
+          <a:bodyPr rtlCol="0" anchor="ctr"/>
+          <a:lstStyle/>
+          <a:p>
+            <a:pPr algn="ctr"/>
+            <a:r>
+              <a:rPr lang="en-US" sz="2800" b="1" dirty="0">
+                <a:solidFill>
+                  <a:schemeClr val="tx1"/>
+                </a:solidFill>
+              </a:rPr>
+              <a:t>Measures of central tendency</a:t>
+            </a:r>
+          </a:p>
+        </p:txBody>
+      </p:sp>
+      <p:sp>
+        <p:nvSpPr>
+          <p:cNvPr id="4" name="Rectangle: Rounded Corners 3">
+            <a:extLst>
+              <a:ext uri="{FF2B5EF4-FFF2-40B4-BE49-F238E27FC236}">
+                <a16:creationId xmlns:a16="http://schemas.microsoft.com/office/drawing/2014/main" id="{89E503D5-728D-4FBA-9EE1-25769AE92318}"/>
+              </a:ext>
+            </a:extLst>
+          </p:cNvPr>
+          <p:cNvSpPr/>
+          <p:nvPr/>
+        </p:nvSpPr>
+        <p:spPr>
+          <a:xfrm>
+            <a:off x="614588" y="2841071"/>
+            <a:ext cx="1714151" cy="486561"/>
+          </a:xfrm>
+          <a:prstGeom prst="roundRect">
+            <a:avLst/>
+          </a:prstGeom>
+          <a:solidFill>
+            <a:schemeClr val="accent2">
+              <a:lumMod val="20000"/>
+              <a:lumOff val="80000"/>
+            </a:schemeClr>
+          </a:solidFill>
+          <a:ln>
+            <a:solidFill>
+              <a:schemeClr val="accent2">
+                <a:lumMod val="75000"/>
+              </a:schemeClr>
+            </a:solidFill>
+          </a:ln>
+        </p:spPr>
+        <p:style>
+          <a:lnRef idx="2">
+            <a:schemeClr val="accent1">
+              <a:shade val="50000"/>
+            </a:schemeClr>
+          </a:lnRef>
+          <a:fillRef idx="1">
+            <a:schemeClr val="accent1"/>
+          </a:fillRef>
+          <a:effectRef idx="0">
+            <a:schemeClr val="accent1"/>
+          </a:effectRef>
+          <a:fontRef idx="minor">
+            <a:schemeClr val="lt1"/>
+          </a:fontRef>
+        </p:style>
+        <p:txBody>
+          <a:bodyPr rtlCol="0" anchor="ctr"/>
+          <a:lstStyle/>
+          <a:p>
+            <a:pPr algn="ctr"/>
+            <a:r>
+              <a:rPr lang="en-US" sz="2800" b="1" dirty="0">
+                <a:solidFill>
+                  <a:schemeClr val="tx1"/>
+                </a:solidFill>
+              </a:rPr>
+              <a:t>Median</a:t>
+            </a:r>
+          </a:p>
+        </p:txBody>
+      </p:sp>
+      <p:sp>
+        <p:nvSpPr>
+          <p:cNvPr id="5" name="Rectangle: Rounded Corners 4">
+            <a:extLst>
+              <a:ext uri="{FF2B5EF4-FFF2-40B4-BE49-F238E27FC236}">
+                <a16:creationId xmlns:a16="http://schemas.microsoft.com/office/drawing/2014/main" id="{15CBE1B1-66C1-4D89-A04B-7ECDD76FB5E2}"/>
+              </a:ext>
+            </a:extLst>
+          </p:cNvPr>
+          <p:cNvSpPr/>
+          <p:nvPr/>
+        </p:nvSpPr>
+        <p:spPr>
+          <a:xfrm>
+            <a:off x="4729980" y="2841068"/>
+            <a:ext cx="1714151" cy="486561"/>
+          </a:xfrm>
+          <a:prstGeom prst="roundRect">
+            <a:avLst/>
+          </a:prstGeom>
+          <a:solidFill>
+            <a:schemeClr val="accent2">
+              <a:lumMod val="20000"/>
+              <a:lumOff val="80000"/>
+            </a:schemeClr>
+          </a:solidFill>
+          <a:ln>
+            <a:solidFill>
+              <a:schemeClr val="accent2">
+                <a:lumMod val="75000"/>
+              </a:schemeClr>
+            </a:solidFill>
+          </a:ln>
+        </p:spPr>
+        <p:style>
+          <a:lnRef idx="2">
+            <a:schemeClr val="accent1">
+              <a:shade val="50000"/>
+            </a:schemeClr>
+          </a:lnRef>
+          <a:fillRef idx="1">
+            <a:schemeClr val="accent1"/>
+          </a:fillRef>
+          <a:effectRef idx="0">
+            <a:schemeClr val="accent1"/>
+          </a:effectRef>
+          <a:fontRef idx="minor">
+            <a:schemeClr val="lt1"/>
+          </a:fontRef>
+        </p:style>
+        <p:txBody>
+          <a:bodyPr rtlCol="0" anchor="ctr"/>
+          <a:lstStyle/>
+          <a:p>
+            <a:pPr algn="ctr"/>
+            <a:r>
+              <a:rPr lang="en-US" sz="2800" b="1" dirty="0">
+                <a:solidFill>
+                  <a:schemeClr val="tx1"/>
+                </a:solidFill>
+              </a:rPr>
+              <a:t>Mean</a:t>
+            </a:r>
+          </a:p>
+        </p:txBody>
+      </p:sp>
+      <p:sp>
+        <p:nvSpPr>
+          <p:cNvPr id="6" name="Rectangle: Rounded Corners 5">
+            <a:extLst>
+              <a:ext uri="{FF2B5EF4-FFF2-40B4-BE49-F238E27FC236}">
+                <a16:creationId xmlns:a16="http://schemas.microsoft.com/office/drawing/2014/main" id="{FA02E69F-C3E1-41B2-86EB-31ECAAC49B5D}"/>
+              </a:ext>
+            </a:extLst>
+          </p:cNvPr>
+          <p:cNvSpPr/>
+          <p:nvPr/>
+        </p:nvSpPr>
+        <p:spPr>
+          <a:xfrm>
+            <a:off x="8111266" y="2841068"/>
+            <a:ext cx="1714151" cy="486561"/>
+          </a:xfrm>
+          <a:prstGeom prst="roundRect">
+            <a:avLst/>
+          </a:prstGeom>
+          <a:solidFill>
+            <a:schemeClr val="accent2">
+              <a:lumMod val="20000"/>
+              <a:lumOff val="80000"/>
+            </a:schemeClr>
+          </a:solidFill>
+          <a:ln>
+            <a:solidFill>
+              <a:schemeClr val="accent2">
+                <a:lumMod val="75000"/>
+              </a:schemeClr>
+            </a:solidFill>
+          </a:ln>
+        </p:spPr>
+        <p:style>
+          <a:lnRef idx="2">
+            <a:schemeClr val="accent1">
+              <a:shade val="50000"/>
+            </a:schemeClr>
+          </a:lnRef>
+          <a:fillRef idx="1">
+            <a:schemeClr val="accent1"/>
+          </a:fillRef>
+          <a:effectRef idx="0">
+            <a:schemeClr val="accent1"/>
+          </a:effectRef>
+          <a:fontRef idx="minor">
+            <a:schemeClr val="lt1"/>
+          </a:fontRef>
+        </p:style>
+        <p:txBody>
+          <a:bodyPr rtlCol="0" anchor="ctr"/>
+          <a:lstStyle/>
+          <a:p>
+            <a:pPr algn="ctr"/>
+            <a:r>
+              <a:rPr lang="en-US" sz="2800" b="1" dirty="0">
+                <a:solidFill>
+                  <a:schemeClr val="tx1"/>
+                </a:solidFill>
+              </a:rPr>
+              <a:t>Mode</a:t>
+            </a:r>
+          </a:p>
+        </p:txBody>
+      </p:sp>
+      <p:sp>
+        <p:nvSpPr>
+          <p:cNvPr id="7" name="Rectangle: Rounded Corners 6">
+            <a:extLst>
+              <a:ext uri="{FF2B5EF4-FFF2-40B4-BE49-F238E27FC236}">
+                <a16:creationId xmlns:a16="http://schemas.microsoft.com/office/drawing/2014/main" id="{8C1A54B4-B0EF-4C51-8FBD-E0D77198985D}"/>
+              </a:ext>
+            </a:extLst>
+          </p:cNvPr>
+          <p:cNvSpPr/>
+          <p:nvPr/>
+        </p:nvSpPr>
+        <p:spPr>
+          <a:xfrm>
+            <a:off x="5719579" y="4507682"/>
+            <a:ext cx="2066400" cy="486561"/>
+          </a:xfrm>
+          <a:prstGeom prst="roundRect">
+            <a:avLst/>
+          </a:prstGeom>
+          <a:solidFill>
+            <a:schemeClr val="accent3">
+              <a:lumMod val="20000"/>
+              <a:lumOff val="80000"/>
+            </a:schemeClr>
+          </a:solidFill>
+          <a:ln>
+            <a:noFill/>
+          </a:ln>
+        </p:spPr>
+        <p:style>
+          <a:lnRef idx="2">
+            <a:schemeClr val="accent1">
+              <a:shade val="50000"/>
+            </a:schemeClr>
+          </a:lnRef>
+          <a:fillRef idx="1">
+            <a:schemeClr val="accent1"/>
+          </a:fillRef>
+          <a:effectRef idx="0">
+            <a:schemeClr val="accent1"/>
+          </a:effectRef>
+          <a:fontRef idx="minor">
+            <a:schemeClr val="lt1"/>
+          </a:fontRef>
+        </p:style>
+        <p:txBody>
+          <a:bodyPr rtlCol="0" anchor="ctr"/>
+          <a:lstStyle/>
+          <a:p>
+            <a:pPr algn="ctr"/>
+            <a:r>
+              <a:rPr lang="en-US" sz="2000" dirty="0">
+                <a:solidFill>
+                  <a:schemeClr val="tx1"/>
+                </a:solidFill>
+              </a:rPr>
+              <a:t>Harmonic mean</a:t>
+            </a:r>
+          </a:p>
+        </p:txBody>
+      </p:sp>
+      <p:sp>
+        <p:nvSpPr>
+          <p:cNvPr id="8" name="Rectangle: Rounded Corners 7">
+            <a:extLst>
+              <a:ext uri="{FF2B5EF4-FFF2-40B4-BE49-F238E27FC236}">
+                <a16:creationId xmlns:a16="http://schemas.microsoft.com/office/drawing/2014/main" id="{B70F151F-77BC-4DFB-8BA9-849301C0D44F}"/>
+              </a:ext>
+            </a:extLst>
+          </p:cNvPr>
+          <p:cNvSpPr/>
+          <p:nvPr/>
+        </p:nvSpPr>
+        <p:spPr>
+          <a:xfrm>
+            <a:off x="3448210" y="4507681"/>
+            <a:ext cx="2067539" cy="486561"/>
+          </a:xfrm>
+          <a:prstGeom prst="roundRect">
+            <a:avLst/>
+          </a:prstGeom>
+          <a:solidFill>
+            <a:schemeClr val="accent3">
+              <a:lumMod val="20000"/>
+              <a:lumOff val="80000"/>
+            </a:schemeClr>
+          </a:solidFill>
+          <a:ln>
+            <a:noFill/>
+          </a:ln>
+        </p:spPr>
+        <p:style>
+          <a:lnRef idx="2">
+            <a:schemeClr val="accent1">
+              <a:shade val="50000"/>
+            </a:schemeClr>
+          </a:lnRef>
+          <a:fillRef idx="1">
+            <a:schemeClr val="accent1"/>
+          </a:fillRef>
+          <a:effectRef idx="0">
+            <a:schemeClr val="accent1"/>
+          </a:effectRef>
+          <a:fontRef idx="minor">
+            <a:schemeClr val="lt1"/>
+          </a:fontRef>
+        </p:style>
+        <p:txBody>
+          <a:bodyPr rtlCol="0" anchor="ctr"/>
+          <a:lstStyle/>
+          <a:p>
+            <a:pPr algn="ctr"/>
+            <a:r>
+              <a:rPr lang="en-US" sz="2000" dirty="0">
+                <a:solidFill>
+                  <a:schemeClr val="tx1"/>
+                </a:solidFill>
+              </a:rPr>
+              <a:t>Geometric mean</a:t>
+            </a:r>
+          </a:p>
+        </p:txBody>
+      </p:sp>
+      <p:sp>
+        <p:nvSpPr>
+          <p:cNvPr id="9" name="Rectangle: Rounded Corners 8">
+            <a:extLst>
+              <a:ext uri="{FF2B5EF4-FFF2-40B4-BE49-F238E27FC236}">
+                <a16:creationId xmlns:a16="http://schemas.microsoft.com/office/drawing/2014/main" id="{D1F9FC2F-FF33-46A7-A285-85D7B1AAB214}"/>
+              </a:ext>
+            </a:extLst>
+          </p:cNvPr>
+          <p:cNvSpPr/>
+          <p:nvPr/>
+        </p:nvSpPr>
+        <p:spPr>
+          <a:xfrm>
+            <a:off x="7990378" y="4507680"/>
+            <a:ext cx="2066400" cy="486561"/>
+          </a:xfrm>
+          <a:prstGeom prst="roundRect">
+            <a:avLst/>
+          </a:prstGeom>
+          <a:solidFill>
+            <a:schemeClr val="accent3">
+              <a:lumMod val="20000"/>
+              <a:lumOff val="80000"/>
+            </a:schemeClr>
+          </a:solidFill>
+          <a:ln>
+            <a:noFill/>
+          </a:ln>
+        </p:spPr>
+        <p:style>
+          <a:lnRef idx="2">
+            <a:schemeClr val="accent1">
+              <a:shade val="50000"/>
+            </a:schemeClr>
+          </a:lnRef>
+          <a:fillRef idx="1">
+            <a:schemeClr val="accent1"/>
+          </a:fillRef>
+          <a:effectRef idx="0">
+            <a:schemeClr val="accent1"/>
+          </a:effectRef>
+          <a:fontRef idx="minor">
+            <a:schemeClr val="lt1"/>
+          </a:fontRef>
+        </p:style>
+        <p:txBody>
+          <a:bodyPr rtlCol="0" anchor="ctr"/>
+          <a:lstStyle/>
+          <a:p>
+            <a:pPr algn="ctr"/>
+            <a:r>
+              <a:rPr lang="en-US" sz="2000" dirty="0">
+                <a:solidFill>
+                  <a:schemeClr val="tx1"/>
+                </a:solidFill>
+              </a:rPr>
+              <a:t>Weighted mean</a:t>
+            </a:r>
+          </a:p>
+        </p:txBody>
+      </p:sp>
+      <p:cxnSp>
+        <p:nvCxnSpPr>
+          <p:cNvPr id="11" name="Connector: Curved 10">
+            <a:extLst>
+              <a:ext uri="{FF2B5EF4-FFF2-40B4-BE49-F238E27FC236}">
+                <a16:creationId xmlns:a16="http://schemas.microsoft.com/office/drawing/2014/main" id="{DA38B724-9CA3-452B-9119-BAF02DDDF441}"/>
+              </a:ext>
+            </a:extLst>
+          </p:cNvPr>
+          <p:cNvCxnSpPr>
+            <a:cxnSpLocks/>
+            <a:stCxn id="3" idx="2"/>
+            <a:endCxn id="4" idx="0"/>
+          </p:cNvCxnSpPr>
+          <p:nvPr/>
+        </p:nvCxnSpPr>
+        <p:spPr>
+          <a:xfrm rot="5400000">
+            <a:off x="3010641" y="264657"/>
+            <a:ext cx="1037438" cy="4115391"/>
+          </a:xfrm>
+          <a:prstGeom prst="curvedConnector3">
+            <a:avLst>
+              <a:gd name="adj1" fmla="val 50000"/>
+            </a:avLst>
+          </a:prstGeom>
+          <a:ln w="38100">
+            <a:solidFill>
+              <a:srgbClr val="FF0000"/>
+            </a:solidFill>
+            <a:tailEnd type="triangle"/>
+          </a:ln>
+        </p:spPr>
+        <p:style>
+          <a:lnRef idx="1">
+            <a:schemeClr val="accent1"/>
+          </a:lnRef>
+          <a:fillRef idx="0">
+            <a:schemeClr val="accent1"/>
+          </a:fillRef>
+          <a:effectRef idx="0">
+            <a:schemeClr val="accent1"/>
+          </a:effectRef>
+          <a:fontRef idx="minor">
+            <a:schemeClr val="tx1"/>
+          </a:fontRef>
+        </p:style>
+      </p:cxnSp>
+      <p:cxnSp>
+        <p:nvCxnSpPr>
+          <p:cNvPr id="12" name="Connector: Curved 11">
+            <a:extLst>
+              <a:ext uri="{FF2B5EF4-FFF2-40B4-BE49-F238E27FC236}">
+                <a16:creationId xmlns:a16="http://schemas.microsoft.com/office/drawing/2014/main" id="{D7388EA0-D25B-4F6F-843B-E07383CF50C3}"/>
+              </a:ext>
+            </a:extLst>
+          </p:cNvPr>
+          <p:cNvCxnSpPr>
+            <a:cxnSpLocks/>
+            <a:stCxn id="3" idx="2"/>
+            <a:endCxn id="6" idx="0"/>
+          </p:cNvCxnSpPr>
+          <p:nvPr/>
+        </p:nvCxnSpPr>
+        <p:spPr>
+          <a:xfrm rot="16200000" flipH="1">
+            <a:off x="6758981" y="631706"/>
+            <a:ext cx="1037435" cy="3381287"/>
+          </a:xfrm>
+          <a:prstGeom prst="curvedConnector3">
+            <a:avLst>
+              <a:gd name="adj1" fmla="val 50000"/>
+            </a:avLst>
+          </a:prstGeom>
+          <a:ln w="38100">
+            <a:solidFill>
+              <a:srgbClr val="FF0000"/>
+            </a:solidFill>
+            <a:tailEnd type="triangle"/>
+          </a:ln>
+        </p:spPr>
+        <p:style>
+          <a:lnRef idx="1">
+            <a:schemeClr val="accent1"/>
+          </a:lnRef>
+          <a:fillRef idx="0">
+            <a:schemeClr val="accent1"/>
+          </a:fillRef>
+          <a:effectRef idx="0">
+            <a:schemeClr val="accent1"/>
+          </a:effectRef>
+          <a:fontRef idx="minor">
+            <a:schemeClr val="tx1"/>
+          </a:fontRef>
+        </p:style>
+      </p:cxnSp>
+      <p:cxnSp>
+        <p:nvCxnSpPr>
+          <p:cNvPr id="15" name="Connector: Curved 14">
+            <a:extLst>
+              <a:ext uri="{FF2B5EF4-FFF2-40B4-BE49-F238E27FC236}">
+                <a16:creationId xmlns:a16="http://schemas.microsoft.com/office/drawing/2014/main" id="{DFA7EBBC-3D54-46D4-BBF8-2AB6238F6D96}"/>
+              </a:ext>
+            </a:extLst>
+          </p:cNvPr>
+          <p:cNvCxnSpPr>
+            <a:cxnSpLocks/>
+            <a:stCxn id="5" idx="2"/>
+            <a:endCxn id="9" idx="0"/>
+          </p:cNvCxnSpPr>
+          <p:nvPr/>
+        </p:nvCxnSpPr>
+        <p:spPr>
+          <a:xfrm rot="16200000" flipH="1">
+            <a:off x="6715292" y="2199393"/>
+            <a:ext cx="1180051" cy="3436522"/>
+          </a:xfrm>
+          <a:prstGeom prst="curvedConnector3">
+            <a:avLst>
+              <a:gd name="adj1" fmla="val 50000"/>
+            </a:avLst>
+          </a:prstGeom>
+          <a:ln w="38100">
+            <a:solidFill>
+              <a:srgbClr val="FF0000"/>
+            </a:solidFill>
+            <a:tailEnd type="triangle"/>
+          </a:ln>
+        </p:spPr>
+        <p:style>
+          <a:lnRef idx="1">
+            <a:schemeClr val="accent1"/>
+          </a:lnRef>
+          <a:fillRef idx="0">
+            <a:schemeClr val="accent1"/>
+          </a:fillRef>
+          <a:effectRef idx="0">
+            <a:schemeClr val="accent1"/>
+          </a:effectRef>
+          <a:fontRef idx="minor">
+            <a:schemeClr val="tx1"/>
+          </a:fontRef>
+        </p:style>
+      </p:cxnSp>
+      <p:cxnSp>
+        <p:nvCxnSpPr>
+          <p:cNvPr id="16" name="Connector: Curved 15">
+            <a:extLst>
+              <a:ext uri="{FF2B5EF4-FFF2-40B4-BE49-F238E27FC236}">
+                <a16:creationId xmlns:a16="http://schemas.microsoft.com/office/drawing/2014/main" id="{2B6309AA-863A-4DFB-AEA4-CC10BA3ABD11}"/>
+              </a:ext>
+            </a:extLst>
+          </p:cNvPr>
+          <p:cNvCxnSpPr>
+            <a:cxnSpLocks/>
+            <a:stCxn id="5" idx="2"/>
+            <a:endCxn id="8" idx="0"/>
+          </p:cNvCxnSpPr>
+          <p:nvPr/>
+        </p:nvCxnSpPr>
+        <p:spPr>
+          <a:xfrm rot="5400000">
+            <a:off x="4444492" y="3365117"/>
+            <a:ext cx="1180052" cy="1105076"/>
+          </a:xfrm>
+          <a:prstGeom prst="curvedConnector3">
+            <a:avLst>
+              <a:gd name="adj1" fmla="val 50000"/>
+            </a:avLst>
+          </a:prstGeom>
+          <a:ln w="38100">
+            <a:solidFill>
+              <a:srgbClr val="FF0000"/>
+            </a:solidFill>
+            <a:tailEnd type="triangle"/>
+          </a:ln>
+        </p:spPr>
+        <p:style>
+          <a:lnRef idx="1">
+            <a:schemeClr val="accent1"/>
+          </a:lnRef>
+          <a:fillRef idx="0">
+            <a:schemeClr val="accent1"/>
+          </a:fillRef>
+          <a:effectRef idx="0">
+            <a:schemeClr val="accent1"/>
+          </a:effectRef>
+          <a:fontRef idx="minor">
+            <a:schemeClr val="tx1"/>
+          </a:fontRef>
+        </p:style>
+      </p:cxnSp>
+      <p:cxnSp>
+        <p:nvCxnSpPr>
+          <p:cNvPr id="30" name="Connector: Curved 29">
+            <a:extLst>
+              <a:ext uri="{FF2B5EF4-FFF2-40B4-BE49-F238E27FC236}">
+                <a16:creationId xmlns:a16="http://schemas.microsoft.com/office/drawing/2014/main" id="{6D3A67C7-70AA-41BD-88BB-77862195AABC}"/>
+              </a:ext>
+            </a:extLst>
+          </p:cNvPr>
+          <p:cNvCxnSpPr>
+            <a:cxnSpLocks/>
+            <a:stCxn id="3" idx="2"/>
+            <a:endCxn id="5" idx="0"/>
+          </p:cNvCxnSpPr>
+          <p:nvPr/>
+        </p:nvCxnSpPr>
+        <p:spPr>
+          <a:xfrm rot="16200000" flipH="1">
+            <a:off x="5068338" y="2322349"/>
+            <a:ext cx="1037435" cy="1"/>
+          </a:xfrm>
+          <a:prstGeom prst="curvedConnector3">
+            <a:avLst>
+              <a:gd name="adj1" fmla="val 50000"/>
+            </a:avLst>
+          </a:prstGeom>
+          <a:ln w="38100">
+            <a:solidFill>
+              <a:srgbClr val="FF0000"/>
+            </a:solidFill>
+            <a:tailEnd type="triangle"/>
+          </a:ln>
+        </p:spPr>
+        <p:style>
+          <a:lnRef idx="1">
+            <a:schemeClr val="accent1"/>
+          </a:lnRef>
+          <a:fillRef idx="0">
+            <a:schemeClr val="accent1"/>
+          </a:fillRef>
+          <a:effectRef idx="0">
+            <a:schemeClr val="accent1"/>
+          </a:effectRef>
+          <a:fontRef idx="minor">
+            <a:schemeClr val="tx1"/>
+          </a:fontRef>
+        </p:style>
+      </p:cxnSp>
+      <p:sp>
+        <p:nvSpPr>
+          <p:cNvPr id="18" name="Rectangle: Rounded Corners 17">
+            <a:extLst>
+              <a:ext uri="{FF2B5EF4-FFF2-40B4-BE49-F238E27FC236}">
+                <a16:creationId xmlns:a16="http://schemas.microsoft.com/office/drawing/2014/main" id="{AC1F81FD-4741-46B4-9052-790D6D74896A}"/>
+              </a:ext>
+            </a:extLst>
+          </p:cNvPr>
+          <p:cNvSpPr/>
+          <p:nvPr/>
+        </p:nvSpPr>
+        <p:spPr>
+          <a:xfrm>
+            <a:off x="1176272" y="4507679"/>
+            <a:ext cx="2067539" cy="486561"/>
+          </a:xfrm>
+          <a:prstGeom prst="roundRect">
+            <a:avLst/>
+          </a:prstGeom>
+          <a:solidFill>
+            <a:schemeClr val="accent3">
+              <a:lumMod val="20000"/>
+              <a:lumOff val="80000"/>
+            </a:schemeClr>
+          </a:solidFill>
+          <a:ln>
+            <a:noFill/>
+          </a:ln>
+        </p:spPr>
+        <p:style>
+          <a:lnRef idx="2">
+            <a:schemeClr val="accent1">
+              <a:shade val="50000"/>
+            </a:schemeClr>
+          </a:lnRef>
+          <a:fillRef idx="1">
+            <a:schemeClr val="accent1"/>
+          </a:fillRef>
+          <a:effectRef idx="0">
+            <a:schemeClr val="accent1"/>
+          </a:effectRef>
+          <a:fontRef idx="minor">
+            <a:schemeClr val="lt1"/>
+          </a:fontRef>
+        </p:style>
+        <p:txBody>
+          <a:bodyPr rtlCol="0" anchor="ctr"/>
+          <a:lstStyle/>
+          <a:p>
+            <a:pPr algn="ctr"/>
+            <a:r>
+              <a:rPr lang="en-US" sz="2000" dirty="0">
+                <a:solidFill>
+                  <a:schemeClr val="tx1"/>
+                </a:solidFill>
+              </a:rPr>
+              <a:t>Trimmed mean</a:t>
+            </a:r>
+          </a:p>
+        </p:txBody>
+      </p:sp>
+      <p:cxnSp>
+        <p:nvCxnSpPr>
+          <p:cNvPr id="19" name="Connector: Curved 18">
+            <a:extLst>
+              <a:ext uri="{FF2B5EF4-FFF2-40B4-BE49-F238E27FC236}">
+                <a16:creationId xmlns:a16="http://schemas.microsoft.com/office/drawing/2014/main" id="{AF95A0A5-DBE1-4EA4-A186-9184A1D435AD}"/>
+              </a:ext>
+            </a:extLst>
+          </p:cNvPr>
+          <p:cNvCxnSpPr>
+            <a:cxnSpLocks/>
+            <a:stCxn id="5" idx="2"/>
+            <a:endCxn id="18" idx="0"/>
+          </p:cNvCxnSpPr>
+          <p:nvPr/>
+        </p:nvCxnSpPr>
+        <p:spPr>
+          <a:xfrm rot="5400000">
+            <a:off x="3308524" y="2229147"/>
+            <a:ext cx="1180050" cy="3377014"/>
+          </a:xfrm>
+          <a:prstGeom prst="curvedConnector3">
+            <a:avLst>
+              <a:gd name="adj1" fmla="val 50000"/>
+            </a:avLst>
+          </a:prstGeom>
+          <a:ln w="38100">
+            <a:solidFill>
+              <a:srgbClr val="FF0000"/>
+            </a:solidFill>
+            <a:tailEnd type="triangle"/>
+          </a:ln>
+        </p:spPr>
+        <p:style>
+          <a:lnRef idx="1">
+            <a:schemeClr val="accent1"/>
+          </a:lnRef>
+          <a:fillRef idx="0">
+            <a:schemeClr val="accent1"/>
+          </a:fillRef>
+          <a:effectRef idx="0">
+            <a:schemeClr val="accent1"/>
+          </a:effectRef>
+          <a:fontRef idx="minor">
+            <a:schemeClr val="tx1"/>
+          </a:fontRef>
+        </p:style>
+      </p:cxnSp>
+      <p:cxnSp>
+        <p:nvCxnSpPr>
+          <p:cNvPr id="26" name="Connector: Curved 25">
+            <a:extLst>
+              <a:ext uri="{FF2B5EF4-FFF2-40B4-BE49-F238E27FC236}">
+                <a16:creationId xmlns:a16="http://schemas.microsoft.com/office/drawing/2014/main" id="{901EEA75-D99E-47D4-8E95-74E60AD29FA6}"/>
+              </a:ext>
+            </a:extLst>
+          </p:cNvPr>
+          <p:cNvCxnSpPr>
+            <a:cxnSpLocks/>
+            <a:stCxn id="5" idx="2"/>
+            <a:endCxn id="7" idx="0"/>
+          </p:cNvCxnSpPr>
+          <p:nvPr/>
+        </p:nvCxnSpPr>
+        <p:spPr>
+          <a:xfrm rot="16200000" flipH="1">
+            <a:off x="5579891" y="3334793"/>
+            <a:ext cx="1180053" cy="1165723"/>
+          </a:xfrm>
+          <a:prstGeom prst="curvedConnector3">
+            <a:avLst>
+              <a:gd name="adj1" fmla="val 50000"/>
+            </a:avLst>
+          </a:prstGeom>
+          <a:ln w="38100">
+            <a:solidFill>
+              <a:srgbClr val="FF0000"/>
+            </a:solidFill>
+            <a:tailEnd type="triangle"/>
+          </a:ln>
+        </p:spPr>
+        <p:style>
+          <a:lnRef idx="1">
+            <a:schemeClr val="accent1"/>
+          </a:lnRef>
+          <a:fillRef idx="0">
+            <a:schemeClr val="accent1"/>
+          </a:fillRef>
+          <a:effectRef idx="0">
+            <a:schemeClr val="accent1"/>
+          </a:effectRef>
+          <a:fontRef idx="minor">
+            <a:schemeClr val="tx1"/>
+          </a:fontRef>
+        </p:style>
+      </p:cxnSp>
+    </p:spTree>
+    <p:extLst>
+      <p:ext uri="{BB962C8B-B14F-4D97-AF65-F5344CB8AC3E}">
+        <p14:creationId xmlns:p14="http://schemas.microsoft.com/office/powerpoint/2010/main" val="106805016"/>
+      </p:ext>
+    </p:extLst>
+  </p:cSld>
+  <p:clrMapOvr>
+    <a:masterClrMapping/>
+  </p:clrMapOvr>
+</p:sld>
+</file>
+
+<file path=ppt/slides/slide16.xml><?xml version="1.0" encoding="utf-8"?>
+<p:sld xmlns:a="http://schemas.openxmlformats.org/drawingml/2006/main" xmlns:r="http://schemas.openxmlformats.org/officeDocument/2006/relationships" xmlns:p="http://schemas.openxmlformats.org/presentationml/2006/main">
+  <p:cSld>
+    <p:spTree>
+      <p:nvGrpSpPr>
+        <p:cNvPr id="1" name=""/>
+        <p:cNvGrpSpPr/>
+        <p:nvPr/>
+      </p:nvGrpSpPr>
+      <p:grpSpPr>
+        <a:xfrm>
+          <a:off x="0" y="0"/>
+          <a:ext cx="0" cy="0"/>
+          <a:chOff x="0" y="0"/>
+          <a:chExt cx="0" cy="0"/>
+        </a:xfrm>
+      </p:grpSpPr>
+      <p:sp>
+        <p:nvSpPr>
+          <p:cNvPr id="108" name="Oval 107">
+            <a:extLst>
+              <a:ext uri="{FF2B5EF4-FFF2-40B4-BE49-F238E27FC236}">
+                <a16:creationId xmlns:a16="http://schemas.microsoft.com/office/drawing/2014/main" id="{389A8B08-7E4A-4A34-A310-7BC2B3B86A77}"/>
+              </a:ext>
+            </a:extLst>
+          </p:cNvPr>
+          <p:cNvSpPr/>
+          <p:nvPr/>
+        </p:nvSpPr>
+        <p:spPr>
+          <a:xfrm>
+            <a:off x="6508750" y="4635500"/>
+            <a:ext cx="1288804" cy="1799979"/>
+          </a:xfrm>
+          <a:prstGeom prst="ellipse">
+            <a:avLst/>
+          </a:prstGeom>
+          <a:solidFill>
+            <a:schemeClr val="accent2">
+              <a:lumMod val="40000"/>
+              <a:lumOff val="60000"/>
+              <a:alpha val="50196"/>
+            </a:schemeClr>
+          </a:solidFill>
+          <a:ln>
+            <a:noFill/>
+          </a:ln>
+        </p:spPr>
+        <p:style>
+          <a:lnRef idx="2">
+            <a:schemeClr val="accent1">
+              <a:shade val="50000"/>
+            </a:schemeClr>
+          </a:lnRef>
+          <a:fillRef idx="1">
+            <a:schemeClr val="accent1"/>
+          </a:fillRef>
+          <a:effectRef idx="0">
+            <a:schemeClr val="accent1"/>
+          </a:effectRef>
+          <a:fontRef idx="minor">
+            <a:schemeClr val="lt1"/>
+          </a:fontRef>
+        </p:style>
+        <p:txBody>
+          <a:bodyPr rtlCol="0" anchor="ctr"/>
+          <a:lstStyle/>
+          <a:p>
+            <a:pPr algn="ctr"/>
+            <a:endParaRPr lang="en-US"/>
+          </a:p>
+        </p:txBody>
+      </p:sp>
+      <p:pic>
+        <p:nvPicPr>
+          <p:cNvPr id="3" name="Graphic 2" descr="Rabbit">
+            <a:extLst>
+              <a:ext uri="{FF2B5EF4-FFF2-40B4-BE49-F238E27FC236}">
+                <a16:creationId xmlns:a16="http://schemas.microsoft.com/office/drawing/2014/main" id="{5F59548E-181A-48B7-927B-48E4CABDBEC8}"/>
+              </a:ext>
+            </a:extLst>
+          </p:cNvPr>
+          <p:cNvPicPr>
+            <a:picLocks noChangeAspect="1"/>
+          </p:cNvPicPr>
+          <p:nvPr/>
+        </p:nvPicPr>
+        <p:blipFill>
+          <a:blip r:embed="rId2">
+            <a:extLst>
+              <a:ext uri="{28A0092B-C50C-407E-A947-70E740481C1C}">
+                <a14:useLocalDpi xmlns:a14="http://schemas.microsoft.com/office/drawing/2010/main" val="0"/>
+              </a:ext>
+              <a:ext uri="{96DAC541-7B7A-43D3-8B79-37D633B846F1}">
+                <asvg:svgBlip xmlns:asvg="http://schemas.microsoft.com/office/drawing/2016/SVG/main" r:embed="rId3"/>
+              </a:ext>
+            </a:extLst>
+          </a:blip>
+          <a:stretch>
+            <a:fillRect/>
+          </a:stretch>
+        </p:blipFill>
+        <p:spPr>
+          <a:xfrm>
+            <a:off x="1550672" y="4032584"/>
+            <a:ext cx="180000" cy="180000"/>
+          </a:xfrm>
+          <a:prstGeom prst="rect">
+            <a:avLst/>
+          </a:prstGeom>
+        </p:spPr>
+      </p:pic>
+      <p:pic>
+        <p:nvPicPr>
+          <p:cNvPr id="4" name="Graphic 3" descr="Rabbit">
+            <a:extLst>
+              <a:ext uri="{FF2B5EF4-FFF2-40B4-BE49-F238E27FC236}">
+                <a16:creationId xmlns:a16="http://schemas.microsoft.com/office/drawing/2014/main" id="{A3783869-54D3-41BE-BEE1-0356B171CD90}"/>
+              </a:ext>
+            </a:extLst>
+          </p:cNvPr>
+          <p:cNvPicPr>
+            <a:picLocks noChangeAspect="1"/>
+          </p:cNvPicPr>
+          <p:nvPr/>
+        </p:nvPicPr>
+        <p:blipFill>
+          <a:blip r:embed="rId4">
+            <a:extLst>
+              <a:ext uri="{28A0092B-C50C-407E-A947-70E740481C1C}">
+                <a14:useLocalDpi xmlns:a14="http://schemas.microsoft.com/office/drawing/2010/main" val="0"/>
+              </a:ext>
+              <a:ext uri="{96DAC541-7B7A-43D3-8B79-37D633B846F1}">
+                <asvg:svgBlip xmlns:asvg="http://schemas.microsoft.com/office/drawing/2016/SVG/main" r:embed="rId5"/>
+              </a:ext>
+            </a:extLst>
+          </a:blip>
+          <a:stretch>
+            <a:fillRect/>
+          </a:stretch>
+        </p:blipFill>
+        <p:spPr>
+          <a:xfrm>
+            <a:off x="2079856" y="3877823"/>
+            <a:ext cx="360000" cy="360000"/>
+          </a:xfrm>
+          <a:prstGeom prst="rect">
+            <a:avLst/>
+          </a:prstGeom>
+        </p:spPr>
+      </p:pic>
+      <p:pic>
+        <p:nvPicPr>
+          <p:cNvPr id="5" name="Graphic 4" descr="Rabbit">
+            <a:extLst>
+              <a:ext uri="{FF2B5EF4-FFF2-40B4-BE49-F238E27FC236}">
+                <a16:creationId xmlns:a16="http://schemas.microsoft.com/office/drawing/2014/main" id="{87C666FF-91C9-4F2B-8E5A-9C669BBFB32F}"/>
+              </a:ext>
+            </a:extLst>
+          </p:cNvPr>
+          <p:cNvPicPr>
+            <a:picLocks noChangeAspect="1"/>
+          </p:cNvPicPr>
+          <p:nvPr/>
+        </p:nvPicPr>
+        <p:blipFill>
+          <a:blip r:embed="rId6">
+            <a:extLst>
+              <a:ext uri="{28A0092B-C50C-407E-A947-70E740481C1C}">
+                <a14:useLocalDpi xmlns:a14="http://schemas.microsoft.com/office/drawing/2010/main" val="0"/>
+              </a:ext>
+              <a:ext uri="{96DAC541-7B7A-43D3-8B79-37D633B846F1}">
+                <asvg:svgBlip xmlns:asvg="http://schemas.microsoft.com/office/drawing/2016/SVG/main" r:embed="rId7"/>
+              </a:ext>
+            </a:extLst>
+          </a:blip>
+          <a:stretch>
+            <a:fillRect/>
+          </a:stretch>
+        </p:blipFill>
+        <p:spPr>
+          <a:xfrm>
+            <a:off x="5761830" y="3111396"/>
+            <a:ext cx="1260000" cy="1260000"/>
+          </a:xfrm>
+          <a:prstGeom prst="rect">
+            <a:avLst/>
+          </a:prstGeom>
+        </p:spPr>
+      </p:pic>
+      <p:pic>
+        <p:nvPicPr>
+          <p:cNvPr id="6" name="Graphic 5" descr="Rabbit">
+            <a:extLst>
+              <a:ext uri="{FF2B5EF4-FFF2-40B4-BE49-F238E27FC236}">
+                <a16:creationId xmlns:a16="http://schemas.microsoft.com/office/drawing/2014/main" id="{33282EA8-BDC0-4B0E-B95E-75BBAD7C20E5}"/>
+              </a:ext>
+            </a:extLst>
+          </p:cNvPr>
+          <p:cNvPicPr>
+            <a:picLocks noChangeAspect="1"/>
+          </p:cNvPicPr>
+          <p:nvPr/>
+        </p:nvPicPr>
+        <p:blipFill>
+          <a:blip r:embed="rId8">
+            <a:extLst>
+              <a:ext uri="{28A0092B-C50C-407E-A947-70E740481C1C}">
+                <a14:useLocalDpi xmlns:a14="http://schemas.microsoft.com/office/drawing/2010/main" val="0"/>
+              </a:ext>
+              <a:ext uri="{96DAC541-7B7A-43D3-8B79-37D633B846F1}">
+                <asvg:svgBlip xmlns:asvg="http://schemas.microsoft.com/office/drawing/2016/SVG/main" r:embed="rId9"/>
+              </a:ext>
+            </a:extLst>
+          </a:blip>
+          <a:stretch>
+            <a:fillRect/>
+          </a:stretch>
+        </p:blipFill>
+        <p:spPr>
+          <a:xfrm>
+            <a:off x="4014123" y="3421703"/>
+            <a:ext cx="900000" cy="900000"/>
+          </a:xfrm>
+          <a:prstGeom prst="rect">
+            <a:avLst/>
+          </a:prstGeom>
+        </p:spPr>
+      </p:pic>
+      <p:pic>
+        <p:nvPicPr>
+          <p:cNvPr id="7" name="Graphic 6" descr="Rabbit">
+            <a:extLst>
+              <a:ext uri="{FF2B5EF4-FFF2-40B4-BE49-F238E27FC236}">
+                <a16:creationId xmlns:a16="http://schemas.microsoft.com/office/drawing/2014/main" id="{CDA84BE2-556C-42DA-9C7C-9CE766278C05}"/>
+              </a:ext>
+            </a:extLst>
+          </p:cNvPr>
+          <p:cNvPicPr>
+            <a:picLocks noChangeAspect="1"/>
+          </p:cNvPicPr>
+          <p:nvPr/>
+        </p:nvPicPr>
+        <p:blipFill>
+          <a:blip r:embed="rId10">
+            <a:extLst>
+              <a:ext uri="{28A0092B-C50C-407E-A947-70E740481C1C}">
+                <a14:useLocalDpi xmlns:a14="http://schemas.microsoft.com/office/drawing/2010/main" val="0"/>
+              </a:ext>
+              <a:ext uri="{96DAC541-7B7A-43D3-8B79-37D633B846F1}">
+                <asvg:svgBlip xmlns:asvg="http://schemas.microsoft.com/office/drawing/2016/SVG/main" r:embed="rId11"/>
+              </a:ext>
+            </a:extLst>
+          </a:blip>
+          <a:stretch>
+            <a:fillRect/>
+          </a:stretch>
+        </p:blipFill>
+        <p:spPr>
+          <a:xfrm>
+            <a:off x="2725677" y="3733898"/>
+            <a:ext cx="540000" cy="540000"/>
+          </a:xfrm>
+          <a:prstGeom prst="rect">
+            <a:avLst/>
+          </a:prstGeom>
+        </p:spPr>
+      </p:pic>
+      <p:pic>
+        <p:nvPicPr>
+          <p:cNvPr id="8" name="Graphic 7" descr="Rabbit">
+            <a:extLst>
+              <a:ext uri="{FF2B5EF4-FFF2-40B4-BE49-F238E27FC236}">
+                <a16:creationId xmlns:a16="http://schemas.microsoft.com/office/drawing/2014/main" id="{6EFDA55E-A98D-4D81-9527-7AEA3AD89FA4}"/>
+              </a:ext>
+            </a:extLst>
+          </p:cNvPr>
+          <p:cNvPicPr>
+            <a:picLocks noChangeAspect="1"/>
+          </p:cNvPicPr>
+          <p:nvPr/>
+        </p:nvPicPr>
+        <p:blipFill>
+          <a:blip r:embed="rId12">
+            <a:extLst>
+              <a:ext uri="{28A0092B-C50C-407E-A947-70E740481C1C}">
+                <a14:useLocalDpi xmlns:a14="http://schemas.microsoft.com/office/drawing/2010/main" val="0"/>
+              </a:ext>
+              <a:ext uri="{96DAC541-7B7A-43D3-8B79-37D633B846F1}">
+                <asvg:svgBlip xmlns:asvg="http://schemas.microsoft.com/office/drawing/2016/SVG/main" r:embed="rId13"/>
+              </a:ext>
+            </a:extLst>
+          </a:blip>
+          <a:stretch>
+            <a:fillRect/>
+          </a:stretch>
+        </p:blipFill>
+        <p:spPr>
+          <a:xfrm>
+            <a:off x="3384032" y="3573187"/>
+            <a:ext cx="720000" cy="720000"/>
+          </a:xfrm>
+          <a:prstGeom prst="rect">
+            <a:avLst/>
+          </a:prstGeom>
+        </p:spPr>
+      </p:pic>
+      <p:pic>
+        <p:nvPicPr>
+          <p:cNvPr id="9" name="Graphic 8" descr="Rabbit">
+            <a:extLst>
+              <a:ext uri="{FF2B5EF4-FFF2-40B4-BE49-F238E27FC236}">
+                <a16:creationId xmlns:a16="http://schemas.microsoft.com/office/drawing/2014/main" id="{7CEE55A3-6C29-47BE-A477-87C4A93094A7}"/>
+              </a:ext>
+            </a:extLst>
+          </p:cNvPr>
+          <p:cNvPicPr>
+            <a:picLocks noChangeAspect="1"/>
+          </p:cNvPicPr>
+          <p:nvPr/>
+        </p:nvPicPr>
+        <p:blipFill>
+          <a:blip r:embed="rId14">
+            <a:extLst>
+              <a:ext uri="{28A0092B-C50C-407E-A947-70E740481C1C}">
+                <a14:useLocalDpi xmlns:a14="http://schemas.microsoft.com/office/drawing/2010/main" val="0"/>
+              </a:ext>
+              <a:ext uri="{96DAC541-7B7A-43D3-8B79-37D633B846F1}">
+                <asvg:svgBlip xmlns:asvg="http://schemas.microsoft.com/office/drawing/2016/SVG/main" r:embed="rId15"/>
+              </a:ext>
+            </a:extLst>
+          </a:blip>
+          <a:stretch>
+            <a:fillRect/>
+          </a:stretch>
+        </p:blipFill>
+        <p:spPr>
+          <a:xfrm>
+            <a:off x="4807510" y="3268284"/>
+            <a:ext cx="1080000" cy="1080000"/>
+          </a:xfrm>
+          <a:prstGeom prst="rect">
+            <a:avLst/>
+          </a:prstGeom>
+        </p:spPr>
+      </p:pic>
+      <p:pic>
+        <p:nvPicPr>
+          <p:cNvPr id="10" name="Graphic 9" descr="Rabbit">
+            <a:extLst>
+              <a:ext uri="{FF2B5EF4-FFF2-40B4-BE49-F238E27FC236}">
+                <a16:creationId xmlns:a16="http://schemas.microsoft.com/office/drawing/2014/main" id="{1BD3ABF8-75F4-416C-996E-243D9B2005F6}"/>
+              </a:ext>
+            </a:extLst>
+          </p:cNvPr>
+          <p:cNvPicPr>
+            <a:picLocks noChangeAspect="1"/>
+          </p:cNvPicPr>
+          <p:nvPr/>
+        </p:nvPicPr>
+        <p:blipFill>
+          <a:blip r:embed="rId16">
+            <a:extLst>
+              <a:ext uri="{28A0092B-C50C-407E-A947-70E740481C1C}">
+                <a14:useLocalDpi xmlns:a14="http://schemas.microsoft.com/office/drawing/2010/main" val="0"/>
+              </a:ext>
+              <a:ext uri="{96DAC541-7B7A-43D3-8B79-37D633B846F1}">
+                <asvg:svgBlip xmlns:asvg="http://schemas.microsoft.com/office/drawing/2016/SVG/main" r:embed="rId17"/>
+              </a:ext>
+            </a:extLst>
+          </a:blip>
+          <a:stretch>
+            <a:fillRect/>
+          </a:stretch>
+        </p:blipFill>
+        <p:spPr>
+          <a:xfrm>
+            <a:off x="8092715" y="2805702"/>
+            <a:ext cx="1620000" cy="1620000"/>
+          </a:xfrm>
+          <a:prstGeom prst="rect">
+            <a:avLst/>
+          </a:prstGeom>
+        </p:spPr>
+      </p:pic>
+      <p:pic>
+        <p:nvPicPr>
+          <p:cNvPr id="11" name="Graphic 10" descr="Rabbit">
+            <a:extLst>
+              <a:ext uri="{FF2B5EF4-FFF2-40B4-BE49-F238E27FC236}">
+                <a16:creationId xmlns:a16="http://schemas.microsoft.com/office/drawing/2014/main" id="{ADB64852-2A31-4E4A-AFE6-3720A4B9C7F8}"/>
+              </a:ext>
+            </a:extLst>
+          </p:cNvPr>
+          <p:cNvPicPr>
+            <a:picLocks noChangeAspect="1"/>
+          </p:cNvPicPr>
+          <p:nvPr/>
+        </p:nvPicPr>
+        <p:blipFill>
+          <a:blip r:embed="rId18">
+            <a:extLst>
+              <a:ext uri="{28A0092B-C50C-407E-A947-70E740481C1C}">
+                <a14:useLocalDpi xmlns:a14="http://schemas.microsoft.com/office/drawing/2010/main" val="0"/>
+              </a:ext>
+              <a:ext uri="{96DAC541-7B7A-43D3-8B79-37D633B846F1}">
+                <asvg:svgBlip xmlns:asvg="http://schemas.microsoft.com/office/drawing/2016/SVG/main" r:embed="rId19"/>
+              </a:ext>
+            </a:extLst>
+          </a:blip>
+          <a:stretch>
+            <a:fillRect/>
+          </a:stretch>
+        </p:blipFill>
+        <p:spPr>
+          <a:xfrm>
+            <a:off x="6841104" y="2957212"/>
+            <a:ext cx="1440000" cy="1440000"/>
+          </a:xfrm>
+          <a:prstGeom prst="rect">
+            <a:avLst/>
+          </a:prstGeom>
+        </p:spPr>
+      </p:pic>
+      <p:pic>
+        <p:nvPicPr>
+          <p:cNvPr id="12" name="Graphic 11" descr="Rabbit">
+            <a:extLst>
+              <a:ext uri="{FF2B5EF4-FFF2-40B4-BE49-F238E27FC236}">
+                <a16:creationId xmlns:a16="http://schemas.microsoft.com/office/drawing/2014/main" id="{ECF794AB-DFB0-43DA-B500-EC0A294E1E45}"/>
+              </a:ext>
+            </a:extLst>
+          </p:cNvPr>
+          <p:cNvPicPr>
+            <a:picLocks noChangeAspect="1"/>
+          </p:cNvPicPr>
+          <p:nvPr/>
+        </p:nvPicPr>
+        <p:blipFill>
+          <a:blip r:embed="rId20">
+            <a:extLst>
+              <a:ext uri="{28A0092B-C50C-407E-A947-70E740481C1C}">
+                <a14:useLocalDpi xmlns:a14="http://schemas.microsoft.com/office/drawing/2010/main" val="0"/>
+              </a:ext>
+              <a:ext uri="{96DAC541-7B7A-43D3-8B79-37D633B846F1}">
+                <asvg:svgBlip xmlns:asvg="http://schemas.microsoft.com/office/drawing/2016/SVG/main" r:embed="rId21"/>
+              </a:ext>
+            </a:extLst>
+          </a:blip>
+          <a:stretch>
+            <a:fillRect/>
+          </a:stretch>
+        </p:blipFill>
+        <p:spPr>
+          <a:xfrm>
+            <a:off x="9419245" y="2650866"/>
+            <a:ext cx="1800000" cy="1800000"/>
+          </a:xfrm>
+          <a:prstGeom prst="rect">
+            <a:avLst/>
+          </a:prstGeom>
+        </p:spPr>
+      </p:pic>
+      <p:cxnSp>
+        <p:nvCxnSpPr>
+          <p:cNvPr id="18" name="Straight Arrow Connector 17">
+            <a:extLst>
+              <a:ext uri="{FF2B5EF4-FFF2-40B4-BE49-F238E27FC236}">
+                <a16:creationId xmlns:a16="http://schemas.microsoft.com/office/drawing/2014/main" id="{BFC9D4DA-71BA-47DD-81EA-F83659CB82AA}"/>
+              </a:ext>
+            </a:extLst>
+          </p:cNvPr>
+          <p:cNvCxnSpPr>
+            <a:cxnSpLocks/>
+          </p:cNvCxnSpPr>
+          <p:nvPr/>
+        </p:nvCxnSpPr>
+        <p:spPr>
+          <a:xfrm>
+            <a:off x="1533882" y="4499768"/>
+            <a:ext cx="393579" cy="0"/>
+          </a:xfrm>
+          <a:prstGeom prst="straightConnector1">
+            <a:avLst/>
+          </a:prstGeom>
+          <a:ln w="38100">
+            <a:solidFill>
+              <a:schemeClr val="tx2">
+                <a:lumMod val="60000"/>
+                <a:lumOff val="40000"/>
+              </a:schemeClr>
+            </a:solidFill>
+            <a:tailEnd type="triangle"/>
+          </a:ln>
+        </p:spPr>
+        <p:style>
+          <a:lnRef idx="1">
+            <a:schemeClr val="accent1"/>
+          </a:lnRef>
+          <a:fillRef idx="0">
+            <a:schemeClr val="accent1"/>
+          </a:fillRef>
+          <a:effectRef idx="0">
+            <a:schemeClr val="accent1"/>
+          </a:effectRef>
+          <a:fontRef idx="minor">
+            <a:schemeClr val="tx1"/>
+          </a:fontRef>
+        </p:style>
+      </p:cxnSp>
+      <p:sp>
+        <p:nvSpPr>
+          <p:cNvPr id="19" name="TextBox 18">
+            <a:extLst>
+              <a:ext uri="{FF2B5EF4-FFF2-40B4-BE49-F238E27FC236}">
+                <a16:creationId xmlns:a16="http://schemas.microsoft.com/office/drawing/2014/main" id="{A97B385C-6723-42AE-8D2A-E5814A48EDBF}"/>
+              </a:ext>
+            </a:extLst>
+          </p:cNvPr>
+          <p:cNvSpPr txBox="1"/>
+          <p:nvPr/>
+        </p:nvSpPr>
+        <p:spPr>
+          <a:xfrm>
+            <a:off x="1408657" y="4130436"/>
+            <a:ext cx="9210447" cy="369332"/>
+          </a:xfrm>
+          <a:prstGeom prst="rect">
+            <a:avLst/>
+          </a:prstGeom>
+          <a:noFill/>
+        </p:spPr>
+        <p:txBody>
+          <a:bodyPr wrap="square" rtlCol="0">
+            <a:spAutoFit/>
+          </a:bodyPr>
+          <a:lstStyle/>
+          <a:p>
+            <a:r>
+              <a:rPr lang="en-US" dirty="0"/>
+              <a:t>10%    20%     30%      40%      50%           60%           70%                80%                  90 %</a:t>
+            </a:r>
+          </a:p>
+        </p:txBody>
+      </p:sp>
+      <p:cxnSp>
+        <p:nvCxnSpPr>
+          <p:cNvPr id="25" name="Straight Arrow Connector 24">
+            <a:extLst>
+              <a:ext uri="{FF2B5EF4-FFF2-40B4-BE49-F238E27FC236}">
+                <a16:creationId xmlns:a16="http://schemas.microsoft.com/office/drawing/2014/main" id="{79EE6784-A101-4559-B9FD-BDF3D778FCDE}"/>
+              </a:ext>
+            </a:extLst>
+          </p:cNvPr>
+          <p:cNvCxnSpPr>
+            <a:cxnSpLocks/>
+          </p:cNvCxnSpPr>
+          <p:nvPr/>
+        </p:nvCxnSpPr>
+        <p:spPr>
+          <a:xfrm>
+            <a:off x="1686277" y="4499768"/>
+            <a:ext cx="573579" cy="0"/>
+          </a:xfrm>
+          <a:prstGeom prst="straightConnector1">
+            <a:avLst/>
+          </a:prstGeom>
+          <a:ln w="38100">
+            <a:solidFill>
+              <a:schemeClr val="tx2">
+                <a:lumMod val="60000"/>
+                <a:lumOff val="40000"/>
+              </a:schemeClr>
+            </a:solidFill>
+            <a:tailEnd type="triangle"/>
+          </a:ln>
+        </p:spPr>
+        <p:style>
+          <a:lnRef idx="1">
+            <a:schemeClr val="accent1"/>
+          </a:lnRef>
+          <a:fillRef idx="0">
+            <a:schemeClr val="accent1"/>
+          </a:fillRef>
+          <a:effectRef idx="0">
+            <a:schemeClr val="accent1"/>
+          </a:effectRef>
+          <a:fontRef idx="minor">
+            <a:schemeClr val="tx1"/>
+          </a:fontRef>
+        </p:style>
+      </p:cxnSp>
+      <p:cxnSp>
+        <p:nvCxnSpPr>
+          <p:cNvPr id="27" name="Straight Arrow Connector 26">
+            <a:extLst>
+              <a:ext uri="{FF2B5EF4-FFF2-40B4-BE49-F238E27FC236}">
+                <a16:creationId xmlns:a16="http://schemas.microsoft.com/office/drawing/2014/main" id="{17BD44C9-2C5B-4293-A3F9-93B8D237665A}"/>
+              </a:ext>
+            </a:extLst>
+          </p:cNvPr>
+          <p:cNvCxnSpPr>
+            <a:cxnSpLocks/>
+          </p:cNvCxnSpPr>
+          <p:nvPr/>
+        </p:nvCxnSpPr>
+        <p:spPr>
+          <a:xfrm>
+            <a:off x="2153066" y="4499768"/>
+            <a:ext cx="842611" cy="0"/>
+          </a:xfrm>
+          <a:prstGeom prst="straightConnector1">
+            <a:avLst/>
+          </a:prstGeom>
+          <a:ln w="38100">
+            <a:solidFill>
+              <a:schemeClr val="tx2">
+                <a:lumMod val="60000"/>
+                <a:lumOff val="40000"/>
+              </a:schemeClr>
+            </a:solidFill>
+            <a:tailEnd type="triangle"/>
+          </a:ln>
+        </p:spPr>
+        <p:style>
+          <a:lnRef idx="1">
+            <a:schemeClr val="accent1"/>
+          </a:lnRef>
+          <a:fillRef idx="0">
+            <a:schemeClr val="accent1"/>
+          </a:fillRef>
+          <a:effectRef idx="0">
+            <a:schemeClr val="accent1"/>
+          </a:effectRef>
+          <a:fontRef idx="minor">
+            <a:schemeClr val="tx1"/>
+          </a:fontRef>
+        </p:style>
+      </p:cxnSp>
+      <p:cxnSp>
+        <p:nvCxnSpPr>
+          <p:cNvPr id="29" name="Straight Arrow Connector 28">
+            <a:extLst>
+              <a:ext uri="{FF2B5EF4-FFF2-40B4-BE49-F238E27FC236}">
+                <a16:creationId xmlns:a16="http://schemas.microsoft.com/office/drawing/2014/main" id="{B3E979F5-4A52-4905-BD10-EC9616083158}"/>
+              </a:ext>
+            </a:extLst>
+          </p:cNvPr>
+          <p:cNvCxnSpPr>
+            <a:cxnSpLocks/>
+          </p:cNvCxnSpPr>
+          <p:nvPr/>
+        </p:nvCxnSpPr>
+        <p:spPr>
+          <a:xfrm>
+            <a:off x="2844371" y="4501831"/>
+            <a:ext cx="842611" cy="0"/>
+          </a:xfrm>
+          <a:prstGeom prst="straightConnector1">
+            <a:avLst/>
+          </a:prstGeom>
+          <a:ln w="38100">
+            <a:solidFill>
+              <a:schemeClr val="tx2">
+                <a:lumMod val="60000"/>
+                <a:lumOff val="40000"/>
+              </a:schemeClr>
+            </a:solidFill>
+            <a:tailEnd type="triangle"/>
+          </a:ln>
+        </p:spPr>
+        <p:style>
+          <a:lnRef idx="1">
+            <a:schemeClr val="accent1"/>
+          </a:lnRef>
+          <a:fillRef idx="0">
+            <a:schemeClr val="accent1"/>
+          </a:fillRef>
+          <a:effectRef idx="0">
+            <a:schemeClr val="accent1"/>
+          </a:effectRef>
+          <a:fontRef idx="minor">
+            <a:schemeClr val="tx1"/>
+          </a:fontRef>
+        </p:style>
+      </p:cxnSp>
+      <p:cxnSp>
+        <p:nvCxnSpPr>
+          <p:cNvPr id="30" name="Straight Arrow Connector 29">
+            <a:extLst>
+              <a:ext uri="{FF2B5EF4-FFF2-40B4-BE49-F238E27FC236}">
+                <a16:creationId xmlns:a16="http://schemas.microsoft.com/office/drawing/2014/main" id="{2AC9FEB7-C771-48BF-BD47-A2E5F84DB9D6}"/>
+              </a:ext>
+            </a:extLst>
+          </p:cNvPr>
+          <p:cNvCxnSpPr>
+            <a:cxnSpLocks/>
+          </p:cNvCxnSpPr>
+          <p:nvPr/>
+        </p:nvCxnSpPr>
+        <p:spPr>
+          <a:xfrm>
+            <a:off x="3621512" y="4499768"/>
+            <a:ext cx="842611" cy="0"/>
+          </a:xfrm>
+          <a:prstGeom prst="straightConnector1">
+            <a:avLst/>
+          </a:prstGeom>
+          <a:ln w="38100">
+            <a:solidFill>
+              <a:schemeClr val="tx2">
+                <a:lumMod val="60000"/>
+                <a:lumOff val="40000"/>
+              </a:schemeClr>
+            </a:solidFill>
+            <a:tailEnd type="triangle"/>
+          </a:ln>
+        </p:spPr>
+        <p:style>
+          <a:lnRef idx="1">
+            <a:schemeClr val="accent1"/>
+          </a:lnRef>
+          <a:fillRef idx="0">
+            <a:schemeClr val="accent1"/>
+          </a:fillRef>
+          <a:effectRef idx="0">
+            <a:schemeClr val="accent1"/>
+          </a:effectRef>
+          <a:fontRef idx="minor">
+            <a:schemeClr val="tx1"/>
+          </a:fontRef>
+        </p:style>
+      </p:cxnSp>
+      <p:cxnSp>
+        <p:nvCxnSpPr>
+          <p:cNvPr id="31" name="Straight Arrow Connector 30">
+            <a:extLst>
+              <a:ext uri="{FF2B5EF4-FFF2-40B4-BE49-F238E27FC236}">
+                <a16:creationId xmlns:a16="http://schemas.microsoft.com/office/drawing/2014/main" id="{5C503368-76E2-482C-8621-9B451F9194E4}"/>
+              </a:ext>
+            </a:extLst>
+          </p:cNvPr>
+          <p:cNvCxnSpPr>
+            <a:cxnSpLocks/>
+          </p:cNvCxnSpPr>
+          <p:nvPr/>
+        </p:nvCxnSpPr>
+        <p:spPr>
+          <a:xfrm>
+            <a:off x="4386204" y="4499768"/>
+            <a:ext cx="961306" cy="0"/>
+          </a:xfrm>
+          <a:prstGeom prst="straightConnector1">
+            <a:avLst/>
+          </a:prstGeom>
+          <a:ln w="38100">
+            <a:solidFill>
+              <a:schemeClr val="tx2">
+                <a:lumMod val="60000"/>
+                <a:lumOff val="40000"/>
+              </a:schemeClr>
+            </a:solidFill>
+            <a:tailEnd type="triangle"/>
+          </a:ln>
+        </p:spPr>
+        <p:style>
+          <a:lnRef idx="1">
+            <a:schemeClr val="accent1"/>
+          </a:lnRef>
+          <a:fillRef idx="0">
+            <a:schemeClr val="accent1"/>
+          </a:fillRef>
+          <a:effectRef idx="0">
+            <a:schemeClr val="accent1"/>
+          </a:effectRef>
+          <a:fontRef idx="minor">
+            <a:schemeClr val="tx1"/>
+          </a:fontRef>
+        </p:style>
+      </p:cxnSp>
+      <p:cxnSp>
+        <p:nvCxnSpPr>
+          <p:cNvPr id="33" name="Straight Arrow Connector 32">
+            <a:extLst>
+              <a:ext uri="{FF2B5EF4-FFF2-40B4-BE49-F238E27FC236}">
+                <a16:creationId xmlns:a16="http://schemas.microsoft.com/office/drawing/2014/main" id="{C80EDFAF-8941-4515-8B4A-8FF92ED0550F}"/>
+              </a:ext>
+            </a:extLst>
+          </p:cNvPr>
+          <p:cNvCxnSpPr>
+            <a:cxnSpLocks/>
+          </p:cNvCxnSpPr>
+          <p:nvPr/>
+        </p:nvCxnSpPr>
+        <p:spPr>
+          <a:xfrm>
+            <a:off x="5281177" y="4499768"/>
+            <a:ext cx="1035803" cy="0"/>
+          </a:xfrm>
+          <a:prstGeom prst="straightConnector1">
+            <a:avLst/>
+          </a:prstGeom>
+          <a:ln w="38100">
+            <a:solidFill>
+              <a:schemeClr val="tx2">
+                <a:lumMod val="60000"/>
+                <a:lumOff val="40000"/>
+              </a:schemeClr>
+            </a:solidFill>
+            <a:tailEnd type="triangle"/>
+          </a:ln>
+        </p:spPr>
+        <p:style>
+          <a:lnRef idx="1">
+            <a:schemeClr val="accent1"/>
+          </a:lnRef>
+          <a:fillRef idx="0">
+            <a:schemeClr val="accent1"/>
+          </a:fillRef>
+          <a:effectRef idx="0">
+            <a:schemeClr val="accent1"/>
+          </a:effectRef>
+          <a:fontRef idx="minor">
+            <a:schemeClr val="tx1"/>
+          </a:fontRef>
+        </p:style>
+      </p:cxnSp>
+      <p:cxnSp>
+        <p:nvCxnSpPr>
+          <p:cNvPr id="35" name="Straight Arrow Connector 34">
+            <a:extLst>
+              <a:ext uri="{FF2B5EF4-FFF2-40B4-BE49-F238E27FC236}">
+                <a16:creationId xmlns:a16="http://schemas.microsoft.com/office/drawing/2014/main" id="{8209A447-9F81-4ABC-AE09-D097BBFF101E}"/>
+              </a:ext>
+            </a:extLst>
+          </p:cNvPr>
+          <p:cNvCxnSpPr>
+            <a:cxnSpLocks/>
+          </p:cNvCxnSpPr>
+          <p:nvPr/>
+        </p:nvCxnSpPr>
+        <p:spPr>
+          <a:xfrm>
+            <a:off x="6233677" y="4499768"/>
+            <a:ext cx="1359653" cy="0"/>
+          </a:xfrm>
+          <a:prstGeom prst="straightConnector1">
+            <a:avLst/>
+          </a:prstGeom>
+          <a:ln w="38100">
+            <a:solidFill>
+              <a:schemeClr val="tx2">
+                <a:lumMod val="60000"/>
+                <a:lumOff val="40000"/>
+              </a:schemeClr>
+            </a:solidFill>
+            <a:tailEnd type="triangle"/>
+          </a:ln>
+        </p:spPr>
+        <p:style>
+          <a:lnRef idx="1">
+            <a:schemeClr val="accent1"/>
+          </a:lnRef>
+          <a:fillRef idx="0">
+            <a:schemeClr val="accent1"/>
+          </a:fillRef>
+          <a:effectRef idx="0">
+            <a:schemeClr val="accent1"/>
+          </a:effectRef>
+          <a:fontRef idx="minor">
+            <a:schemeClr val="tx1"/>
+          </a:fontRef>
+        </p:style>
+      </p:cxnSp>
+      <p:cxnSp>
+        <p:nvCxnSpPr>
+          <p:cNvPr id="37" name="Straight Arrow Connector 36">
+            <a:extLst>
+              <a:ext uri="{FF2B5EF4-FFF2-40B4-BE49-F238E27FC236}">
+                <a16:creationId xmlns:a16="http://schemas.microsoft.com/office/drawing/2014/main" id="{9C90CF12-EE47-48D1-9698-CFD7E45A757F}"/>
+              </a:ext>
+            </a:extLst>
+          </p:cNvPr>
+          <p:cNvCxnSpPr>
+            <a:cxnSpLocks/>
+          </p:cNvCxnSpPr>
+          <p:nvPr/>
+        </p:nvCxnSpPr>
+        <p:spPr>
+          <a:xfrm>
+            <a:off x="7494152" y="4501831"/>
+            <a:ext cx="1408563" cy="0"/>
+          </a:xfrm>
+          <a:prstGeom prst="straightConnector1">
+            <a:avLst/>
+          </a:prstGeom>
+          <a:ln w="38100">
+            <a:solidFill>
+              <a:schemeClr val="tx2">
+                <a:lumMod val="60000"/>
+                <a:lumOff val="40000"/>
+              </a:schemeClr>
+            </a:solidFill>
+            <a:tailEnd type="triangle"/>
+          </a:ln>
+        </p:spPr>
+        <p:style>
+          <a:lnRef idx="1">
+            <a:schemeClr val="accent1"/>
+          </a:lnRef>
+          <a:fillRef idx="0">
+            <a:schemeClr val="accent1"/>
+          </a:fillRef>
+          <a:effectRef idx="0">
+            <a:schemeClr val="accent1"/>
+          </a:effectRef>
+          <a:fontRef idx="minor">
+            <a:schemeClr val="tx1"/>
+          </a:fontRef>
+        </p:style>
+      </p:cxnSp>
+      <p:pic>
+        <p:nvPicPr>
+          <p:cNvPr id="57" name="Picture 56">
+            <a:extLst>
+              <a:ext uri="{FF2B5EF4-FFF2-40B4-BE49-F238E27FC236}">
+                <a16:creationId xmlns:a16="http://schemas.microsoft.com/office/drawing/2014/main" id="{A8CD8D77-50D7-4E68-AA28-6DD2E7E88CC2}"/>
+              </a:ext>
+            </a:extLst>
+          </p:cNvPr>
+          <p:cNvPicPr>
+            <a:picLocks noChangeAspect="1"/>
+          </p:cNvPicPr>
+          <p:nvPr/>
+        </p:nvPicPr>
+        <p:blipFill>
+          <a:blip r:embed="rId22"/>
+          <a:stretch>
+            <a:fillRect/>
+          </a:stretch>
+        </p:blipFill>
+        <p:spPr>
+          <a:xfrm>
+            <a:off x="11132313" y="2957212"/>
+            <a:ext cx="197688" cy="1255372"/>
+          </a:xfrm>
+          <a:prstGeom prst="rect">
+            <a:avLst/>
+          </a:prstGeom>
+        </p:spPr>
+      </p:pic>
+      <p:pic>
+        <p:nvPicPr>
+          <p:cNvPr id="58" name="Graphic 57" descr="Rabbit">
+            <a:extLst>
+              <a:ext uri="{FF2B5EF4-FFF2-40B4-BE49-F238E27FC236}">
+                <a16:creationId xmlns:a16="http://schemas.microsoft.com/office/drawing/2014/main" id="{D696CE8A-5C58-42EF-AA42-DDDE92503724}"/>
+              </a:ext>
+            </a:extLst>
+          </p:cNvPr>
+          <p:cNvPicPr>
+            <a:picLocks noChangeAspect="1"/>
+          </p:cNvPicPr>
+          <p:nvPr/>
+        </p:nvPicPr>
+        <p:blipFill>
+          <a:blip r:embed="rId2">
+            <a:extLst>
+              <a:ext uri="{28A0092B-C50C-407E-A947-70E740481C1C}">
+                <a14:useLocalDpi xmlns:a14="http://schemas.microsoft.com/office/drawing/2010/main" val="0"/>
+              </a:ext>
+              <a:ext uri="{96DAC541-7B7A-43D3-8B79-37D633B846F1}">
+                <asvg:svgBlip xmlns:asvg="http://schemas.microsoft.com/office/drawing/2016/SVG/main" r:embed="rId3"/>
+              </a:ext>
+            </a:extLst>
+          </a:blip>
+          <a:stretch>
+            <a:fillRect/>
+          </a:stretch>
+        </p:blipFill>
+        <p:spPr>
+          <a:xfrm>
+            <a:off x="3150753" y="1157926"/>
+            <a:ext cx="180000" cy="180000"/>
+          </a:xfrm>
+          <a:prstGeom prst="rect">
+            <a:avLst/>
+          </a:prstGeom>
+        </p:spPr>
+      </p:pic>
+      <p:pic>
+        <p:nvPicPr>
+          <p:cNvPr id="59" name="Graphic 58" descr="Rabbit">
+            <a:extLst>
+              <a:ext uri="{FF2B5EF4-FFF2-40B4-BE49-F238E27FC236}">
+                <a16:creationId xmlns:a16="http://schemas.microsoft.com/office/drawing/2014/main" id="{9D66EEC9-9762-4CA9-8D16-188163AFD654}"/>
+              </a:ext>
+            </a:extLst>
+          </p:cNvPr>
+          <p:cNvPicPr>
+            <a:picLocks noChangeAspect="1"/>
+          </p:cNvPicPr>
+          <p:nvPr/>
+        </p:nvPicPr>
+        <p:blipFill>
+          <a:blip r:embed="rId4">
+            <a:extLst>
+              <a:ext uri="{28A0092B-C50C-407E-A947-70E740481C1C}">
+                <a14:useLocalDpi xmlns:a14="http://schemas.microsoft.com/office/drawing/2010/main" val="0"/>
+              </a:ext>
+              <a:ext uri="{96DAC541-7B7A-43D3-8B79-37D633B846F1}">
+                <asvg:svgBlip xmlns:asvg="http://schemas.microsoft.com/office/drawing/2016/SVG/main" r:embed="rId5"/>
+              </a:ext>
+            </a:extLst>
+          </a:blip>
+          <a:stretch>
+            <a:fillRect/>
+          </a:stretch>
+        </p:blipFill>
+        <p:spPr>
+          <a:xfrm>
+            <a:off x="2250924" y="1103620"/>
+            <a:ext cx="360000" cy="360000"/>
+          </a:xfrm>
+          <a:prstGeom prst="rect">
+            <a:avLst/>
+          </a:prstGeom>
+        </p:spPr>
+      </p:pic>
+      <p:pic>
+        <p:nvPicPr>
+          <p:cNvPr id="60" name="Graphic 59" descr="Rabbit">
+            <a:extLst>
+              <a:ext uri="{FF2B5EF4-FFF2-40B4-BE49-F238E27FC236}">
+                <a16:creationId xmlns:a16="http://schemas.microsoft.com/office/drawing/2014/main" id="{A175BFB9-5A92-43E8-A928-1CCBFE971E69}"/>
+              </a:ext>
+            </a:extLst>
+          </p:cNvPr>
+          <p:cNvPicPr>
+            <a:picLocks noChangeAspect="1"/>
+          </p:cNvPicPr>
+          <p:nvPr/>
+        </p:nvPicPr>
+        <p:blipFill>
+          <a:blip r:embed="rId6">
+            <a:extLst>
+              <a:ext uri="{28A0092B-C50C-407E-A947-70E740481C1C}">
+                <a14:useLocalDpi xmlns:a14="http://schemas.microsoft.com/office/drawing/2010/main" val="0"/>
+              </a:ext>
+              <a:ext uri="{96DAC541-7B7A-43D3-8B79-37D633B846F1}">
+                <asvg:svgBlip xmlns:asvg="http://schemas.microsoft.com/office/drawing/2016/SVG/main" r:embed="rId7"/>
+              </a:ext>
+            </a:extLst>
+          </a:blip>
+          <a:stretch>
+            <a:fillRect/>
+          </a:stretch>
+        </p:blipFill>
+        <p:spPr>
+          <a:xfrm>
+            <a:off x="2991512" y="-19435"/>
+            <a:ext cx="1260000" cy="1260000"/>
+          </a:xfrm>
+          <a:prstGeom prst="rect">
+            <a:avLst/>
+          </a:prstGeom>
+        </p:spPr>
+      </p:pic>
+      <p:pic>
+        <p:nvPicPr>
+          <p:cNvPr id="61" name="Graphic 60" descr="Rabbit">
+            <a:extLst>
+              <a:ext uri="{FF2B5EF4-FFF2-40B4-BE49-F238E27FC236}">
+                <a16:creationId xmlns:a16="http://schemas.microsoft.com/office/drawing/2014/main" id="{73C3E223-AE6D-4639-98DE-BFBCE6A45844}"/>
+              </a:ext>
+            </a:extLst>
+          </p:cNvPr>
+          <p:cNvPicPr>
+            <a:picLocks noChangeAspect="1"/>
+          </p:cNvPicPr>
+          <p:nvPr/>
+        </p:nvPicPr>
+        <p:blipFill>
+          <a:blip r:embed="rId8">
+            <a:extLst>
+              <a:ext uri="{28A0092B-C50C-407E-A947-70E740481C1C}">
+                <a14:useLocalDpi xmlns:a14="http://schemas.microsoft.com/office/drawing/2010/main" val="0"/>
+              </a:ext>
+              <a:ext uri="{96DAC541-7B7A-43D3-8B79-37D633B846F1}">
+                <asvg:svgBlip xmlns:asvg="http://schemas.microsoft.com/office/drawing/2016/SVG/main" r:embed="rId9"/>
+              </a:ext>
+            </a:extLst>
+          </a:blip>
+          <a:stretch>
+            <a:fillRect/>
+          </a:stretch>
+        </p:blipFill>
+        <p:spPr>
+          <a:xfrm>
+            <a:off x="1017211" y="2349360"/>
+            <a:ext cx="900000" cy="900000"/>
+          </a:xfrm>
+          <a:prstGeom prst="rect">
+            <a:avLst/>
+          </a:prstGeom>
+        </p:spPr>
+      </p:pic>
+      <p:pic>
+        <p:nvPicPr>
+          <p:cNvPr id="62" name="Graphic 61" descr="Rabbit">
+            <a:extLst>
+              <a:ext uri="{FF2B5EF4-FFF2-40B4-BE49-F238E27FC236}">
+                <a16:creationId xmlns:a16="http://schemas.microsoft.com/office/drawing/2014/main" id="{1221EC42-D862-497B-8967-01C466C1AF13}"/>
+              </a:ext>
+            </a:extLst>
+          </p:cNvPr>
+          <p:cNvPicPr>
+            <a:picLocks noChangeAspect="1"/>
+          </p:cNvPicPr>
+          <p:nvPr/>
+        </p:nvPicPr>
+        <p:blipFill>
+          <a:blip r:embed="rId10">
+            <a:extLst>
+              <a:ext uri="{28A0092B-C50C-407E-A947-70E740481C1C}">
+                <a14:useLocalDpi xmlns:a14="http://schemas.microsoft.com/office/drawing/2010/main" val="0"/>
+              </a:ext>
+              <a:ext uri="{96DAC541-7B7A-43D3-8B79-37D633B846F1}">
+                <asvg:svgBlip xmlns:asvg="http://schemas.microsoft.com/office/drawing/2016/SVG/main" r:embed="rId11"/>
+              </a:ext>
+            </a:extLst>
+          </a:blip>
+          <a:stretch>
+            <a:fillRect/>
+          </a:stretch>
+        </p:blipFill>
+        <p:spPr>
+          <a:xfrm>
+            <a:off x="1292612" y="696819"/>
+            <a:ext cx="540000" cy="540000"/>
+          </a:xfrm>
+          <a:prstGeom prst="rect">
+            <a:avLst/>
+          </a:prstGeom>
+        </p:spPr>
+      </p:pic>
+      <p:pic>
+        <p:nvPicPr>
+          <p:cNvPr id="63" name="Graphic 62" descr="Rabbit">
+            <a:extLst>
+              <a:ext uri="{FF2B5EF4-FFF2-40B4-BE49-F238E27FC236}">
+                <a16:creationId xmlns:a16="http://schemas.microsoft.com/office/drawing/2014/main" id="{C23258E5-6E2A-4CAC-9C87-DF6F5A2FBE62}"/>
+              </a:ext>
+            </a:extLst>
+          </p:cNvPr>
+          <p:cNvPicPr>
+            <a:picLocks noChangeAspect="1"/>
+          </p:cNvPicPr>
+          <p:nvPr/>
+        </p:nvPicPr>
+        <p:blipFill>
+          <a:blip r:embed="rId12">
+            <a:extLst>
+              <a:ext uri="{28A0092B-C50C-407E-A947-70E740481C1C}">
+                <a14:useLocalDpi xmlns:a14="http://schemas.microsoft.com/office/drawing/2010/main" val="0"/>
+              </a:ext>
+              <a:ext uri="{96DAC541-7B7A-43D3-8B79-37D633B846F1}">
+                <asvg:svgBlip xmlns:asvg="http://schemas.microsoft.com/office/drawing/2016/SVG/main" r:embed="rId13"/>
+              </a:ext>
+            </a:extLst>
+          </a:blip>
+          <a:stretch>
+            <a:fillRect/>
+          </a:stretch>
+        </p:blipFill>
+        <p:spPr>
+          <a:xfrm>
+            <a:off x="2045877" y="1446797"/>
+            <a:ext cx="720000" cy="720000"/>
+          </a:xfrm>
+          <a:prstGeom prst="rect">
+            <a:avLst/>
+          </a:prstGeom>
+        </p:spPr>
+      </p:pic>
+      <p:pic>
+        <p:nvPicPr>
+          <p:cNvPr id="64" name="Graphic 63" descr="Rabbit">
+            <a:extLst>
+              <a:ext uri="{FF2B5EF4-FFF2-40B4-BE49-F238E27FC236}">
+                <a16:creationId xmlns:a16="http://schemas.microsoft.com/office/drawing/2014/main" id="{4BDC7F04-E8EC-43A6-B620-33F8C7AB0155}"/>
+              </a:ext>
+            </a:extLst>
+          </p:cNvPr>
+          <p:cNvPicPr>
+            <a:picLocks noChangeAspect="1"/>
+          </p:cNvPicPr>
+          <p:nvPr/>
+        </p:nvPicPr>
+        <p:blipFill>
+          <a:blip r:embed="rId14">
+            <a:extLst>
+              <a:ext uri="{28A0092B-C50C-407E-A947-70E740481C1C}">
+                <a14:useLocalDpi xmlns:a14="http://schemas.microsoft.com/office/drawing/2010/main" val="0"/>
+              </a:ext>
+              <a:ext uri="{96DAC541-7B7A-43D3-8B79-37D633B846F1}">
+                <asvg:svgBlip xmlns:asvg="http://schemas.microsoft.com/office/drawing/2016/SVG/main" r:embed="rId15"/>
+              </a:ext>
+            </a:extLst>
+          </a:blip>
+          <a:stretch>
+            <a:fillRect/>
+          </a:stretch>
+        </p:blipFill>
+        <p:spPr>
+          <a:xfrm>
+            <a:off x="2160753" y="-45668"/>
+            <a:ext cx="1080000" cy="1080000"/>
+          </a:xfrm>
+          <a:prstGeom prst="rect">
+            <a:avLst/>
+          </a:prstGeom>
+        </p:spPr>
+      </p:pic>
+      <p:pic>
+        <p:nvPicPr>
+          <p:cNvPr id="65" name="Graphic 64" descr="Rabbit">
+            <a:extLst>
+              <a:ext uri="{FF2B5EF4-FFF2-40B4-BE49-F238E27FC236}">
+                <a16:creationId xmlns:a16="http://schemas.microsoft.com/office/drawing/2014/main" id="{E86CB80B-C23B-4434-AF11-34D135EB6D93}"/>
+              </a:ext>
+            </a:extLst>
+          </p:cNvPr>
+          <p:cNvPicPr>
+            <a:picLocks noChangeAspect="1"/>
+          </p:cNvPicPr>
+          <p:nvPr/>
+        </p:nvPicPr>
+        <p:blipFill>
+          <a:blip r:embed="rId16">
+            <a:extLst>
+              <a:ext uri="{28A0092B-C50C-407E-A947-70E740481C1C}">
+                <a14:useLocalDpi xmlns:a14="http://schemas.microsoft.com/office/drawing/2010/main" val="0"/>
+              </a:ext>
+              <a:ext uri="{96DAC541-7B7A-43D3-8B79-37D633B846F1}">
+                <asvg:svgBlip xmlns:asvg="http://schemas.microsoft.com/office/drawing/2016/SVG/main" r:embed="rId17"/>
+              </a:ext>
+            </a:extLst>
+          </a:blip>
+          <a:stretch>
+            <a:fillRect/>
+          </a:stretch>
+        </p:blipFill>
+        <p:spPr>
+          <a:xfrm>
+            <a:off x="55050" y="966819"/>
+            <a:ext cx="1620000" cy="1620000"/>
+          </a:xfrm>
+          <a:prstGeom prst="rect">
+            <a:avLst/>
+          </a:prstGeom>
+        </p:spPr>
+      </p:pic>
+      <p:pic>
+        <p:nvPicPr>
+          <p:cNvPr id="66" name="Graphic 65" descr="Rabbit">
+            <a:extLst>
+              <a:ext uri="{FF2B5EF4-FFF2-40B4-BE49-F238E27FC236}">
+                <a16:creationId xmlns:a16="http://schemas.microsoft.com/office/drawing/2014/main" id="{AFB8DA42-AAE4-4ED8-AAB1-D2F7B657905A}"/>
+              </a:ext>
+            </a:extLst>
+          </p:cNvPr>
+          <p:cNvPicPr>
+            <a:picLocks noChangeAspect="1"/>
+          </p:cNvPicPr>
+          <p:nvPr/>
+        </p:nvPicPr>
+        <p:blipFill>
+          <a:blip r:embed="rId18">
+            <a:extLst>
+              <a:ext uri="{28A0092B-C50C-407E-A947-70E740481C1C}">
+                <a14:useLocalDpi xmlns:a14="http://schemas.microsoft.com/office/drawing/2010/main" val="0"/>
+              </a:ext>
+              <a:ext uri="{96DAC541-7B7A-43D3-8B79-37D633B846F1}">
+                <asvg:svgBlip xmlns:asvg="http://schemas.microsoft.com/office/drawing/2016/SVG/main" r:embed="rId19"/>
+              </a:ext>
+            </a:extLst>
+          </a:blip>
+          <a:stretch>
+            <a:fillRect/>
+          </a:stretch>
+        </p:blipFill>
+        <p:spPr>
+          <a:xfrm>
+            <a:off x="3195629" y="919066"/>
+            <a:ext cx="1440000" cy="1440000"/>
+          </a:xfrm>
+          <a:prstGeom prst="rect">
+            <a:avLst/>
+          </a:prstGeom>
+        </p:spPr>
+      </p:pic>
+      <p:pic>
+        <p:nvPicPr>
+          <p:cNvPr id="67" name="Graphic 66" descr="Rabbit">
+            <a:extLst>
+              <a:ext uri="{FF2B5EF4-FFF2-40B4-BE49-F238E27FC236}">
+                <a16:creationId xmlns:a16="http://schemas.microsoft.com/office/drawing/2014/main" id="{DCB2C995-D455-467F-8D4F-9C9B9A174E47}"/>
+              </a:ext>
+            </a:extLst>
+          </p:cNvPr>
+          <p:cNvPicPr>
+            <a:picLocks noChangeAspect="1"/>
+          </p:cNvPicPr>
+          <p:nvPr/>
+        </p:nvPicPr>
+        <p:blipFill>
+          <a:blip r:embed="rId20">
+            <a:extLst>
+              <a:ext uri="{28A0092B-C50C-407E-A947-70E740481C1C}">
+                <a14:useLocalDpi xmlns:a14="http://schemas.microsoft.com/office/drawing/2010/main" val="0"/>
+              </a:ext>
+              <a:ext uri="{96DAC541-7B7A-43D3-8B79-37D633B846F1}">
+                <asvg:svgBlip xmlns:asvg="http://schemas.microsoft.com/office/drawing/2016/SVG/main" r:embed="rId21"/>
+              </a:ext>
+            </a:extLst>
+          </a:blip>
+          <a:stretch>
+            <a:fillRect/>
+          </a:stretch>
+        </p:blipFill>
+        <p:spPr>
+          <a:xfrm>
+            <a:off x="1944371" y="1572001"/>
+            <a:ext cx="1800000" cy="1800000"/>
+          </a:xfrm>
+          <a:prstGeom prst="rect">
+            <a:avLst/>
+          </a:prstGeom>
+        </p:spPr>
+      </p:pic>
+      <p:pic>
+        <p:nvPicPr>
+          <p:cNvPr id="87" name="Graphic 86" descr="Rabbit">
+            <a:extLst>
+              <a:ext uri="{FF2B5EF4-FFF2-40B4-BE49-F238E27FC236}">
+                <a16:creationId xmlns:a16="http://schemas.microsoft.com/office/drawing/2014/main" id="{C9D68755-2C31-4646-9266-2AD64E6F0524}"/>
+              </a:ext>
+            </a:extLst>
+          </p:cNvPr>
+          <p:cNvPicPr>
+            <a:picLocks noChangeAspect="1"/>
+          </p:cNvPicPr>
+          <p:nvPr/>
+        </p:nvPicPr>
+        <p:blipFill>
+          <a:blip r:embed="rId2">
+            <a:extLst>
+              <a:ext uri="{28A0092B-C50C-407E-A947-70E740481C1C}">
+                <a14:useLocalDpi xmlns:a14="http://schemas.microsoft.com/office/drawing/2010/main" val="0"/>
+              </a:ext>
+              <a:ext uri="{96DAC541-7B7A-43D3-8B79-37D633B846F1}">
+                <asvg:svgBlip xmlns:asvg="http://schemas.microsoft.com/office/drawing/2016/SVG/main" r:embed="rId3"/>
+              </a:ext>
+            </a:extLst>
+          </a:blip>
+          <a:stretch>
+            <a:fillRect/>
+          </a:stretch>
+        </p:blipFill>
+        <p:spPr>
+          <a:xfrm>
+            <a:off x="1156972" y="5797884"/>
+            <a:ext cx="180000" cy="180000"/>
+          </a:xfrm>
+          <a:prstGeom prst="rect">
+            <a:avLst/>
+          </a:prstGeom>
+        </p:spPr>
+      </p:pic>
+      <p:pic>
+        <p:nvPicPr>
+          <p:cNvPr id="88" name="Graphic 87" descr="Rabbit">
+            <a:extLst>
+              <a:ext uri="{FF2B5EF4-FFF2-40B4-BE49-F238E27FC236}">
+                <a16:creationId xmlns:a16="http://schemas.microsoft.com/office/drawing/2014/main" id="{344415D5-2B5C-4498-BBBA-E7919BF1E8C8}"/>
+              </a:ext>
+            </a:extLst>
+          </p:cNvPr>
+          <p:cNvPicPr>
+            <a:picLocks noChangeAspect="1"/>
+          </p:cNvPicPr>
+          <p:nvPr/>
+        </p:nvPicPr>
+        <p:blipFill>
+          <a:blip r:embed="rId4">
+            <a:extLst>
+              <a:ext uri="{28A0092B-C50C-407E-A947-70E740481C1C}">
+                <a14:useLocalDpi xmlns:a14="http://schemas.microsoft.com/office/drawing/2010/main" val="0"/>
+              </a:ext>
+              <a:ext uri="{96DAC541-7B7A-43D3-8B79-37D633B846F1}">
+                <asvg:svgBlip xmlns:asvg="http://schemas.microsoft.com/office/drawing/2016/SVG/main" r:embed="rId5"/>
+              </a:ext>
+            </a:extLst>
+          </a:blip>
+          <a:stretch>
+            <a:fillRect/>
+          </a:stretch>
+        </p:blipFill>
+        <p:spPr>
+          <a:xfrm>
+            <a:off x="1686156" y="5643123"/>
+            <a:ext cx="360000" cy="360000"/>
+          </a:xfrm>
+          <a:prstGeom prst="rect">
+            <a:avLst/>
+          </a:prstGeom>
+        </p:spPr>
+      </p:pic>
+      <p:pic>
+        <p:nvPicPr>
+          <p:cNvPr id="89" name="Graphic 88" descr="Rabbit">
+            <a:extLst>
+              <a:ext uri="{FF2B5EF4-FFF2-40B4-BE49-F238E27FC236}">
+                <a16:creationId xmlns:a16="http://schemas.microsoft.com/office/drawing/2014/main" id="{4DC2DD97-4A59-4CE9-9ADD-3EA657510C28}"/>
+              </a:ext>
+            </a:extLst>
+          </p:cNvPr>
+          <p:cNvPicPr>
+            <a:picLocks noChangeAspect="1"/>
+          </p:cNvPicPr>
+          <p:nvPr/>
+        </p:nvPicPr>
+        <p:blipFill>
+          <a:blip r:embed="rId6">
+            <a:extLst>
+              <a:ext uri="{28A0092B-C50C-407E-A947-70E740481C1C}">
+                <a14:useLocalDpi xmlns:a14="http://schemas.microsoft.com/office/drawing/2010/main" val="0"/>
+              </a:ext>
+              <a:ext uri="{96DAC541-7B7A-43D3-8B79-37D633B846F1}">
+                <asvg:svgBlip xmlns:asvg="http://schemas.microsoft.com/office/drawing/2016/SVG/main" r:embed="rId7"/>
+              </a:ext>
+            </a:extLst>
+          </a:blip>
+          <a:stretch>
+            <a:fillRect/>
+          </a:stretch>
+        </p:blipFill>
+        <p:spPr>
+          <a:xfrm>
+            <a:off x="5368130" y="4876696"/>
+            <a:ext cx="1260000" cy="1260000"/>
+          </a:xfrm>
+          <a:prstGeom prst="rect">
+            <a:avLst/>
+          </a:prstGeom>
+        </p:spPr>
+      </p:pic>
+      <p:pic>
+        <p:nvPicPr>
+          <p:cNvPr id="90" name="Graphic 89" descr="Rabbit">
+            <a:extLst>
+              <a:ext uri="{FF2B5EF4-FFF2-40B4-BE49-F238E27FC236}">
+                <a16:creationId xmlns:a16="http://schemas.microsoft.com/office/drawing/2014/main" id="{D05EF279-4443-433F-B0A6-1B19DDDBD45E}"/>
+              </a:ext>
+            </a:extLst>
+          </p:cNvPr>
+          <p:cNvPicPr>
+            <a:picLocks noChangeAspect="1"/>
+          </p:cNvPicPr>
+          <p:nvPr/>
+        </p:nvPicPr>
+        <p:blipFill>
+          <a:blip r:embed="rId8">
+            <a:extLst>
+              <a:ext uri="{28A0092B-C50C-407E-A947-70E740481C1C}">
+                <a14:useLocalDpi xmlns:a14="http://schemas.microsoft.com/office/drawing/2010/main" val="0"/>
+              </a:ext>
+              <a:ext uri="{96DAC541-7B7A-43D3-8B79-37D633B846F1}">
+                <asvg:svgBlip xmlns:asvg="http://schemas.microsoft.com/office/drawing/2016/SVG/main" r:embed="rId9"/>
+              </a:ext>
+            </a:extLst>
+          </a:blip>
+          <a:stretch>
+            <a:fillRect/>
+          </a:stretch>
+        </p:blipFill>
+        <p:spPr>
+          <a:xfrm>
+            <a:off x="3620423" y="5187003"/>
+            <a:ext cx="900000" cy="900000"/>
+          </a:xfrm>
+          <a:prstGeom prst="rect">
+            <a:avLst/>
+          </a:prstGeom>
+        </p:spPr>
+      </p:pic>
+      <p:pic>
+        <p:nvPicPr>
+          <p:cNvPr id="91" name="Graphic 90" descr="Rabbit">
+            <a:extLst>
+              <a:ext uri="{FF2B5EF4-FFF2-40B4-BE49-F238E27FC236}">
+                <a16:creationId xmlns:a16="http://schemas.microsoft.com/office/drawing/2014/main" id="{AC2F498E-41AA-4A7D-8B51-6BD34395334C}"/>
+              </a:ext>
+            </a:extLst>
+          </p:cNvPr>
+          <p:cNvPicPr>
+            <a:picLocks noChangeAspect="1"/>
+          </p:cNvPicPr>
+          <p:nvPr/>
+        </p:nvPicPr>
+        <p:blipFill>
+          <a:blip r:embed="rId10">
+            <a:extLst>
+              <a:ext uri="{28A0092B-C50C-407E-A947-70E740481C1C}">
+                <a14:useLocalDpi xmlns:a14="http://schemas.microsoft.com/office/drawing/2010/main" val="0"/>
+              </a:ext>
+              <a:ext uri="{96DAC541-7B7A-43D3-8B79-37D633B846F1}">
+                <asvg:svgBlip xmlns:asvg="http://schemas.microsoft.com/office/drawing/2016/SVG/main" r:embed="rId11"/>
+              </a:ext>
+            </a:extLst>
+          </a:blip>
+          <a:stretch>
+            <a:fillRect/>
+          </a:stretch>
+        </p:blipFill>
+        <p:spPr>
+          <a:xfrm>
+            <a:off x="2331977" y="5499198"/>
+            <a:ext cx="540000" cy="540000"/>
+          </a:xfrm>
+          <a:prstGeom prst="rect">
+            <a:avLst/>
+          </a:prstGeom>
+        </p:spPr>
+      </p:pic>
+      <p:pic>
+        <p:nvPicPr>
+          <p:cNvPr id="92" name="Graphic 91" descr="Rabbit">
+            <a:extLst>
+              <a:ext uri="{FF2B5EF4-FFF2-40B4-BE49-F238E27FC236}">
+                <a16:creationId xmlns:a16="http://schemas.microsoft.com/office/drawing/2014/main" id="{A2DBD79B-1228-428A-9CC4-179FA7A13E3C}"/>
+              </a:ext>
+            </a:extLst>
+          </p:cNvPr>
+          <p:cNvPicPr>
+            <a:picLocks noChangeAspect="1"/>
+          </p:cNvPicPr>
+          <p:nvPr/>
+        </p:nvPicPr>
+        <p:blipFill>
+          <a:blip r:embed="rId12">
+            <a:extLst>
+              <a:ext uri="{28A0092B-C50C-407E-A947-70E740481C1C}">
+                <a14:useLocalDpi xmlns:a14="http://schemas.microsoft.com/office/drawing/2010/main" val="0"/>
+              </a:ext>
+              <a:ext uri="{96DAC541-7B7A-43D3-8B79-37D633B846F1}">
+                <asvg:svgBlip xmlns:asvg="http://schemas.microsoft.com/office/drawing/2016/SVG/main" r:embed="rId13"/>
+              </a:ext>
+            </a:extLst>
+          </a:blip>
+          <a:stretch>
+            <a:fillRect/>
+          </a:stretch>
+        </p:blipFill>
+        <p:spPr>
+          <a:xfrm>
+            <a:off x="2990332" y="5338487"/>
+            <a:ext cx="720000" cy="720000"/>
+          </a:xfrm>
+          <a:prstGeom prst="rect">
+            <a:avLst/>
+          </a:prstGeom>
+        </p:spPr>
+      </p:pic>
+      <p:pic>
+        <p:nvPicPr>
+          <p:cNvPr id="93" name="Graphic 92" descr="Rabbit">
+            <a:extLst>
+              <a:ext uri="{FF2B5EF4-FFF2-40B4-BE49-F238E27FC236}">
+                <a16:creationId xmlns:a16="http://schemas.microsoft.com/office/drawing/2014/main" id="{E7F06A5D-2AB2-48C1-805B-3F2DCBE2E54C}"/>
+              </a:ext>
+            </a:extLst>
+          </p:cNvPr>
+          <p:cNvPicPr>
+            <a:picLocks noChangeAspect="1"/>
+          </p:cNvPicPr>
+          <p:nvPr/>
+        </p:nvPicPr>
+        <p:blipFill>
+          <a:blip r:embed="rId14">
+            <a:extLst>
+              <a:ext uri="{28A0092B-C50C-407E-A947-70E740481C1C}">
+                <a14:useLocalDpi xmlns:a14="http://schemas.microsoft.com/office/drawing/2010/main" val="0"/>
+              </a:ext>
+              <a:ext uri="{96DAC541-7B7A-43D3-8B79-37D633B846F1}">
+                <asvg:svgBlip xmlns:asvg="http://schemas.microsoft.com/office/drawing/2016/SVG/main" r:embed="rId15"/>
+              </a:ext>
+            </a:extLst>
+          </a:blip>
+          <a:stretch>
+            <a:fillRect/>
+          </a:stretch>
+        </p:blipFill>
+        <p:spPr>
+          <a:xfrm>
+            <a:off x="4413810" y="5033584"/>
+            <a:ext cx="1080000" cy="1080000"/>
+          </a:xfrm>
+          <a:prstGeom prst="rect">
+            <a:avLst/>
+          </a:prstGeom>
+        </p:spPr>
+      </p:pic>
+      <p:pic>
+        <p:nvPicPr>
+          <p:cNvPr id="94" name="Graphic 93" descr="Rabbit">
+            <a:extLst>
+              <a:ext uri="{FF2B5EF4-FFF2-40B4-BE49-F238E27FC236}">
+                <a16:creationId xmlns:a16="http://schemas.microsoft.com/office/drawing/2014/main" id="{4AB898F7-BD1B-49BC-A04A-0DC29CE722B5}"/>
+              </a:ext>
+            </a:extLst>
+          </p:cNvPr>
+          <p:cNvPicPr>
+            <a:picLocks noChangeAspect="1"/>
+          </p:cNvPicPr>
+          <p:nvPr/>
+        </p:nvPicPr>
+        <p:blipFill>
+          <a:blip r:embed="rId16">
+            <a:extLst>
+              <a:ext uri="{28A0092B-C50C-407E-A947-70E740481C1C}">
+                <a14:useLocalDpi xmlns:a14="http://schemas.microsoft.com/office/drawing/2010/main" val="0"/>
+              </a:ext>
+              <a:ext uri="{96DAC541-7B7A-43D3-8B79-37D633B846F1}">
+                <asvg:svgBlip xmlns:asvg="http://schemas.microsoft.com/office/drawing/2016/SVG/main" r:embed="rId17"/>
+              </a:ext>
+            </a:extLst>
+          </a:blip>
+          <a:stretch>
+            <a:fillRect/>
+          </a:stretch>
+        </p:blipFill>
+        <p:spPr>
+          <a:xfrm>
+            <a:off x="7699015" y="4571002"/>
+            <a:ext cx="1620000" cy="1620000"/>
+          </a:xfrm>
+          <a:prstGeom prst="rect">
+            <a:avLst/>
+          </a:prstGeom>
+        </p:spPr>
+      </p:pic>
+      <p:pic>
+        <p:nvPicPr>
+          <p:cNvPr id="95" name="Graphic 94" descr="Rabbit">
+            <a:extLst>
+              <a:ext uri="{FF2B5EF4-FFF2-40B4-BE49-F238E27FC236}">
+                <a16:creationId xmlns:a16="http://schemas.microsoft.com/office/drawing/2014/main" id="{32986E55-1350-4130-9267-2CAF40A350DB}"/>
+              </a:ext>
+            </a:extLst>
+          </p:cNvPr>
+          <p:cNvPicPr>
+            <a:picLocks noChangeAspect="1"/>
+          </p:cNvPicPr>
+          <p:nvPr/>
+        </p:nvPicPr>
+        <p:blipFill>
+          <a:blip r:embed="rId18">
+            <a:extLst>
+              <a:ext uri="{28A0092B-C50C-407E-A947-70E740481C1C}">
+                <a14:useLocalDpi xmlns:a14="http://schemas.microsoft.com/office/drawing/2010/main" val="0"/>
+              </a:ext>
+              <a:ext uri="{96DAC541-7B7A-43D3-8B79-37D633B846F1}">
+                <asvg:svgBlip xmlns:asvg="http://schemas.microsoft.com/office/drawing/2016/SVG/main" r:embed="rId19"/>
+              </a:ext>
+            </a:extLst>
+          </a:blip>
+          <a:stretch>
+            <a:fillRect/>
+          </a:stretch>
+        </p:blipFill>
+        <p:spPr>
+          <a:xfrm>
+            <a:off x="6447404" y="4722512"/>
+            <a:ext cx="1440000" cy="1440000"/>
+          </a:xfrm>
+          <a:prstGeom prst="rect">
+            <a:avLst/>
+          </a:prstGeom>
+        </p:spPr>
+      </p:pic>
+      <p:pic>
+        <p:nvPicPr>
+          <p:cNvPr id="96" name="Graphic 95" descr="Rabbit">
+            <a:extLst>
+              <a:ext uri="{FF2B5EF4-FFF2-40B4-BE49-F238E27FC236}">
+                <a16:creationId xmlns:a16="http://schemas.microsoft.com/office/drawing/2014/main" id="{94441A3F-314B-4DF8-A034-3702E97DB9EF}"/>
+              </a:ext>
+            </a:extLst>
+          </p:cNvPr>
+          <p:cNvPicPr>
+            <a:picLocks noChangeAspect="1"/>
+          </p:cNvPicPr>
+          <p:nvPr/>
+        </p:nvPicPr>
+        <p:blipFill>
+          <a:blip r:embed="rId20">
+            <a:extLst>
+              <a:ext uri="{28A0092B-C50C-407E-A947-70E740481C1C}">
+                <a14:useLocalDpi xmlns:a14="http://schemas.microsoft.com/office/drawing/2010/main" val="0"/>
+              </a:ext>
+              <a:ext uri="{96DAC541-7B7A-43D3-8B79-37D633B846F1}">
+                <asvg:svgBlip xmlns:asvg="http://schemas.microsoft.com/office/drawing/2016/SVG/main" r:embed="rId21"/>
+              </a:ext>
+            </a:extLst>
+          </a:blip>
+          <a:stretch>
+            <a:fillRect/>
+          </a:stretch>
+        </p:blipFill>
+        <p:spPr>
+          <a:xfrm>
+            <a:off x="9025545" y="4479666"/>
+            <a:ext cx="1800000" cy="1800000"/>
+          </a:xfrm>
+          <a:prstGeom prst="rect">
+            <a:avLst/>
+          </a:prstGeom>
+        </p:spPr>
+      </p:pic>
+      <p:cxnSp>
+        <p:nvCxnSpPr>
+          <p:cNvPr id="97" name="Straight Arrow Connector 96">
+            <a:extLst>
+              <a:ext uri="{FF2B5EF4-FFF2-40B4-BE49-F238E27FC236}">
+                <a16:creationId xmlns:a16="http://schemas.microsoft.com/office/drawing/2014/main" id="{646F454E-607E-4B0B-9FA5-B29D8BF7A72C}"/>
+              </a:ext>
+            </a:extLst>
+          </p:cNvPr>
+          <p:cNvCxnSpPr>
+            <a:cxnSpLocks/>
+          </p:cNvCxnSpPr>
+          <p:nvPr/>
+        </p:nvCxnSpPr>
+        <p:spPr>
+          <a:xfrm>
+            <a:off x="1140182" y="6265068"/>
+            <a:ext cx="393579" cy="0"/>
+          </a:xfrm>
+          <a:prstGeom prst="straightConnector1">
+            <a:avLst/>
+          </a:prstGeom>
+          <a:ln w="38100">
+            <a:solidFill>
+              <a:schemeClr val="tx2">
+                <a:lumMod val="60000"/>
+                <a:lumOff val="40000"/>
+              </a:schemeClr>
+            </a:solidFill>
+            <a:tailEnd type="triangle"/>
+          </a:ln>
+        </p:spPr>
+        <p:style>
+          <a:lnRef idx="1">
+            <a:schemeClr val="accent1"/>
+          </a:lnRef>
+          <a:fillRef idx="0">
+            <a:schemeClr val="accent1"/>
+          </a:fillRef>
+          <a:effectRef idx="0">
+            <a:schemeClr val="accent1"/>
+          </a:effectRef>
+          <a:fontRef idx="minor">
+            <a:schemeClr val="tx1"/>
+          </a:fontRef>
+        </p:style>
+      </p:cxnSp>
+      <p:sp>
+        <p:nvSpPr>
+          <p:cNvPr id="98" name="TextBox 97">
+            <a:extLst>
+              <a:ext uri="{FF2B5EF4-FFF2-40B4-BE49-F238E27FC236}">
+                <a16:creationId xmlns:a16="http://schemas.microsoft.com/office/drawing/2014/main" id="{50A9915E-F100-40BC-8B77-8272A56BAFBD}"/>
+              </a:ext>
+            </a:extLst>
+          </p:cNvPr>
+          <p:cNvSpPr txBox="1"/>
+          <p:nvPr/>
+        </p:nvSpPr>
+        <p:spPr>
+          <a:xfrm>
+            <a:off x="1014957" y="5895736"/>
+            <a:ext cx="9210447" cy="369332"/>
+          </a:xfrm>
+          <a:prstGeom prst="rect">
+            <a:avLst/>
+          </a:prstGeom>
+          <a:noFill/>
+        </p:spPr>
+        <p:txBody>
+          <a:bodyPr wrap="square" rtlCol="0">
+            <a:spAutoFit/>
+          </a:bodyPr>
+          <a:lstStyle/>
+          <a:p>
+            <a:r>
+              <a:rPr lang="en-US" dirty="0"/>
+              <a:t>10%    20%     30%      40%      50%           60%           70%                80%                  90 %</a:t>
+            </a:r>
+          </a:p>
+        </p:txBody>
+      </p:sp>
+      <p:cxnSp>
+        <p:nvCxnSpPr>
+          <p:cNvPr id="99" name="Straight Arrow Connector 98">
+            <a:extLst>
+              <a:ext uri="{FF2B5EF4-FFF2-40B4-BE49-F238E27FC236}">
+                <a16:creationId xmlns:a16="http://schemas.microsoft.com/office/drawing/2014/main" id="{473675D7-1571-4D36-A8F2-BBB88544CFC8}"/>
+              </a:ext>
+            </a:extLst>
+          </p:cNvPr>
+          <p:cNvCxnSpPr>
+            <a:cxnSpLocks/>
+          </p:cNvCxnSpPr>
+          <p:nvPr/>
+        </p:nvCxnSpPr>
+        <p:spPr>
+          <a:xfrm>
+            <a:off x="1292577" y="6265068"/>
+            <a:ext cx="573579" cy="0"/>
+          </a:xfrm>
+          <a:prstGeom prst="straightConnector1">
+            <a:avLst/>
+          </a:prstGeom>
+          <a:ln w="38100">
+            <a:solidFill>
+              <a:schemeClr val="tx2">
+                <a:lumMod val="60000"/>
+                <a:lumOff val="40000"/>
+              </a:schemeClr>
+            </a:solidFill>
+            <a:tailEnd type="triangle"/>
+          </a:ln>
+        </p:spPr>
+        <p:style>
+          <a:lnRef idx="1">
+            <a:schemeClr val="accent1"/>
+          </a:lnRef>
+          <a:fillRef idx="0">
+            <a:schemeClr val="accent1"/>
+          </a:fillRef>
+          <a:effectRef idx="0">
+            <a:schemeClr val="accent1"/>
+          </a:effectRef>
+          <a:fontRef idx="minor">
+            <a:schemeClr val="tx1"/>
+          </a:fontRef>
+        </p:style>
+      </p:cxnSp>
+      <p:cxnSp>
+        <p:nvCxnSpPr>
+          <p:cNvPr id="100" name="Straight Arrow Connector 99">
+            <a:extLst>
+              <a:ext uri="{FF2B5EF4-FFF2-40B4-BE49-F238E27FC236}">
+                <a16:creationId xmlns:a16="http://schemas.microsoft.com/office/drawing/2014/main" id="{91FFDE23-19F5-484B-8501-BB6190BC5BBF}"/>
+              </a:ext>
+            </a:extLst>
+          </p:cNvPr>
+          <p:cNvCxnSpPr>
+            <a:cxnSpLocks/>
+          </p:cNvCxnSpPr>
+          <p:nvPr/>
+        </p:nvCxnSpPr>
+        <p:spPr>
+          <a:xfrm>
+            <a:off x="1759366" y="6265068"/>
+            <a:ext cx="842611" cy="0"/>
+          </a:xfrm>
+          <a:prstGeom prst="straightConnector1">
+            <a:avLst/>
+          </a:prstGeom>
+          <a:ln w="38100">
+            <a:solidFill>
+              <a:schemeClr val="tx2">
+                <a:lumMod val="60000"/>
+                <a:lumOff val="40000"/>
+              </a:schemeClr>
+            </a:solidFill>
+            <a:tailEnd type="triangle"/>
+          </a:ln>
+        </p:spPr>
+        <p:style>
+          <a:lnRef idx="1">
+            <a:schemeClr val="accent1"/>
+          </a:lnRef>
+          <a:fillRef idx="0">
+            <a:schemeClr val="accent1"/>
+          </a:fillRef>
+          <a:effectRef idx="0">
+            <a:schemeClr val="accent1"/>
+          </a:effectRef>
+          <a:fontRef idx="minor">
+            <a:schemeClr val="tx1"/>
+          </a:fontRef>
+        </p:style>
+      </p:cxnSp>
+      <p:cxnSp>
+        <p:nvCxnSpPr>
+          <p:cNvPr id="101" name="Straight Arrow Connector 100">
+            <a:extLst>
+              <a:ext uri="{FF2B5EF4-FFF2-40B4-BE49-F238E27FC236}">
+                <a16:creationId xmlns:a16="http://schemas.microsoft.com/office/drawing/2014/main" id="{CB607869-FCE2-42D7-8DC7-6212B2F9CF33}"/>
+              </a:ext>
+            </a:extLst>
+          </p:cNvPr>
+          <p:cNvCxnSpPr>
+            <a:cxnSpLocks/>
+          </p:cNvCxnSpPr>
+          <p:nvPr/>
+        </p:nvCxnSpPr>
+        <p:spPr>
+          <a:xfrm>
+            <a:off x="2450671" y="6267131"/>
+            <a:ext cx="842611" cy="0"/>
+          </a:xfrm>
+          <a:prstGeom prst="straightConnector1">
+            <a:avLst/>
+          </a:prstGeom>
+          <a:ln w="38100">
+            <a:solidFill>
+              <a:schemeClr val="tx2">
+                <a:lumMod val="60000"/>
+                <a:lumOff val="40000"/>
+              </a:schemeClr>
+            </a:solidFill>
+            <a:tailEnd type="triangle"/>
+          </a:ln>
+        </p:spPr>
+        <p:style>
+          <a:lnRef idx="1">
+            <a:schemeClr val="accent1"/>
+          </a:lnRef>
+          <a:fillRef idx="0">
+            <a:schemeClr val="accent1"/>
+          </a:fillRef>
+          <a:effectRef idx="0">
+            <a:schemeClr val="accent1"/>
+          </a:effectRef>
+          <a:fontRef idx="minor">
+            <a:schemeClr val="tx1"/>
+          </a:fontRef>
+        </p:style>
+      </p:cxnSp>
+      <p:cxnSp>
+        <p:nvCxnSpPr>
+          <p:cNvPr id="102" name="Straight Arrow Connector 101">
+            <a:extLst>
+              <a:ext uri="{FF2B5EF4-FFF2-40B4-BE49-F238E27FC236}">
+                <a16:creationId xmlns:a16="http://schemas.microsoft.com/office/drawing/2014/main" id="{D0C16986-A87A-49BC-A924-327040B25DDD}"/>
+              </a:ext>
+            </a:extLst>
+          </p:cNvPr>
+          <p:cNvCxnSpPr>
+            <a:cxnSpLocks/>
+          </p:cNvCxnSpPr>
+          <p:nvPr/>
+        </p:nvCxnSpPr>
+        <p:spPr>
+          <a:xfrm>
+            <a:off x="3227812" y="6265068"/>
+            <a:ext cx="842611" cy="0"/>
+          </a:xfrm>
+          <a:prstGeom prst="straightConnector1">
+            <a:avLst/>
+          </a:prstGeom>
+          <a:ln w="38100">
+            <a:solidFill>
+              <a:schemeClr val="tx2">
+                <a:lumMod val="60000"/>
+                <a:lumOff val="40000"/>
+              </a:schemeClr>
+            </a:solidFill>
+            <a:tailEnd type="triangle"/>
+          </a:ln>
+        </p:spPr>
+        <p:style>
+          <a:lnRef idx="1">
+            <a:schemeClr val="accent1"/>
+          </a:lnRef>
+          <a:fillRef idx="0">
+            <a:schemeClr val="accent1"/>
+          </a:fillRef>
+          <a:effectRef idx="0">
+            <a:schemeClr val="accent1"/>
+          </a:effectRef>
+          <a:fontRef idx="minor">
+            <a:schemeClr val="tx1"/>
+          </a:fontRef>
+        </p:style>
+      </p:cxnSp>
+      <p:cxnSp>
+        <p:nvCxnSpPr>
+          <p:cNvPr id="103" name="Straight Arrow Connector 102">
+            <a:extLst>
+              <a:ext uri="{FF2B5EF4-FFF2-40B4-BE49-F238E27FC236}">
+                <a16:creationId xmlns:a16="http://schemas.microsoft.com/office/drawing/2014/main" id="{F1FCFE4A-CCBE-475A-99E5-A86E46B6635B}"/>
+              </a:ext>
+            </a:extLst>
+          </p:cNvPr>
+          <p:cNvCxnSpPr>
+            <a:cxnSpLocks/>
+          </p:cNvCxnSpPr>
+          <p:nvPr/>
+        </p:nvCxnSpPr>
+        <p:spPr>
+          <a:xfrm>
+            <a:off x="3992504" y="6265068"/>
+            <a:ext cx="961306" cy="0"/>
+          </a:xfrm>
+          <a:prstGeom prst="straightConnector1">
+            <a:avLst/>
+          </a:prstGeom>
+          <a:ln w="38100">
+            <a:solidFill>
+              <a:schemeClr val="tx2">
+                <a:lumMod val="60000"/>
+                <a:lumOff val="40000"/>
+              </a:schemeClr>
+            </a:solidFill>
+            <a:tailEnd type="triangle"/>
+          </a:ln>
+        </p:spPr>
+        <p:style>
+          <a:lnRef idx="1">
+            <a:schemeClr val="accent1"/>
+          </a:lnRef>
+          <a:fillRef idx="0">
+            <a:schemeClr val="accent1"/>
+          </a:fillRef>
+          <a:effectRef idx="0">
+            <a:schemeClr val="accent1"/>
+          </a:effectRef>
+          <a:fontRef idx="minor">
+            <a:schemeClr val="tx1"/>
+          </a:fontRef>
+        </p:style>
+      </p:cxnSp>
+      <p:cxnSp>
+        <p:nvCxnSpPr>
+          <p:cNvPr id="104" name="Straight Arrow Connector 103">
+            <a:extLst>
+              <a:ext uri="{FF2B5EF4-FFF2-40B4-BE49-F238E27FC236}">
+                <a16:creationId xmlns:a16="http://schemas.microsoft.com/office/drawing/2014/main" id="{EB4ACC67-6A17-4407-9FD9-EE7EDBD9457B}"/>
+              </a:ext>
+            </a:extLst>
+          </p:cNvPr>
+          <p:cNvCxnSpPr>
+            <a:cxnSpLocks/>
+          </p:cNvCxnSpPr>
+          <p:nvPr/>
+        </p:nvCxnSpPr>
+        <p:spPr>
+          <a:xfrm>
+            <a:off x="4887477" y="6265068"/>
+            <a:ext cx="1035803" cy="0"/>
+          </a:xfrm>
+          <a:prstGeom prst="straightConnector1">
+            <a:avLst/>
+          </a:prstGeom>
+          <a:ln w="38100">
+            <a:solidFill>
+              <a:schemeClr val="tx2">
+                <a:lumMod val="60000"/>
+                <a:lumOff val="40000"/>
+              </a:schemeClr>
+            </a:solidFill>
+            <a:tailEnd type="triangle"/>
+          </a:ln>
+        </p:spPr>
+        <p:style>
+          <a:lnRef idx="1">
+            <a:schemeClr val="accent1"/>
+          </a:lnRef>
+          <a:fillRef idx="0">
+            <a:schemeClr val="accent1"/>
+          </a:fillRef>
+          <a:effectRef idx="0">
+            <a:schemeClr val="accent1"/>
+          </a:effectRef>
+          <a:fontRef idx="minor">
+            <a:schemeClr val="tx1"/>
+          </a:fontRef>
+        </p:style>
+      </p:cxnSp>
+      <p:cxnSp>
+        <p:nvCxnSpPr>
+          <p:cNvPr id="105" name="Straight Arrow Connector 104">
+            <a:extLst>
+              <a:ext uri="{FF2B5EF4-FFF2-40B4-BE49-F238E27FC236}">
+                <a16:creationId xmlns:a16="http://schemas.microsoft.com/office/drawing/2014/main" id="{9DB2EEFD-13A8-4979-AF5E-389C5EC2624A}"/>
+              </a:ext>
+            </a:extLst>
+          </p:cNvPr>
+          <p:cNvCxnSpPr>
+            <a:cxnSpLocks/>
+          </p:cNvCxnSpPr>
+          <p:nvPr/>
+        </p:nvCxnSpPr>
+        <p:spPr>
+          <a:xfrm>
+            <a:off x="5839977" y="6265068"/>
+            <a:ext cx="1359653" cy="0"/>
+          </a:xfrm>
+          <a:prstGeom prst="straightConnector1">
+            <a:avLst/>
+          </a:prstGeom>
+          <a:ln w="38100">
+            <a:solidFill>
+              <a:schemeClr val="tx2">
+                <a:lumMod val="60000"/>
+                <a:lumOff val="40000"/>
+              </a:schemeClr>
+            </a:solidFill>
+            <a:tailEnd type="triangle"/>
+          </a:ln>
+        </p:spPr>
+        <p:style>
+          <a:lnRef idx="1">
+            <a:schemeClr val="accent1"/>
+          </a:lnRef>
+          <a:fillRef idx="0">
+            <a:schemeClr val="accent1"/>
+          </a:fillRef>
+          <a:effectRef idx="0">
+            <a:schemeClr val="accent1"/>
+          </a:effectRef>
+          <a:fontRef idx="minor">
+            <a:schemeClr val="tx1"/>
+          </a:fontRef>
+        </p:style>
+      </p:cxnSp>
+      <p:cxnSp>
+        <p:nvCxnSpPr>
+          <p:cNvPr id="106" name="Straight Arrow Connector 105">
+            <a:extLst>
+              <a:ext uri="{FF2B5EF4-FFF2-40B4-BE49-F238E27FC236}">
+                <a16:creationId xmlns:a16="http://schemas.microsoft.com/office/drawing/2014/main" id="{3AAE6CAF-AD78-40E8-BC1D-40EADFBB3C02}"/>
+              </a:ext>
+            </a:extLst>
+          </p:cNvPr>
+          <p:cNvCxnSpPr>
+            <a:cxnSpLocks/>
+          </p:cNvCxnSpPr>
+          <p:nvPr/>
+        </p:nvCxnSpPr>
+        <p:spPr>
+          <a:xfrm>
+            <a:off x="7100452" y="6267131"/>
+            <a:ext cx="1408563" cy="0"/>
+          </a:xfrm>
+          <a:prstGeom prst="straightConnector1">
+            <a:avLst/>
+          </a:prstGeom>
+          <a:ln w="38100">
+            <a:solidFill>
+              <a:schemeClr val="tx2">
+                <a:lumMod val="60000"/>
+                <a:lumOff val="40000"/>
+              </a:schemeClr>
+            </a:solidFill>
+            <a:tailEnd type="triangle"/>
+          </a:ln>
+        </p:spPr>
+        <p:style>
+          <a:lnRef idx="1">
+            <a:schemeClr val="accent1"/>
+          </a:lnRef>
+          <a:fillRef idx="0">
+            <a:schemeClr val="accent1"/>
+          </a:fillRef>
+          <a:effectRef idx="0">
+            <a:schemeClr val="accent1"/>
+          </a:effectRef>
+          <a:fontRef idx="minor">
+            <a:schemeClr val="tx1"/>
+          </a:fontRef>
+        </p:style>
+      </p:cxnSp>
+      <p:pic>
+        <p:nvPicPr>
+          <p:cNvPr id="107" name="Picture 106">
+            <a:extLst>
+              <a:ext uri="{FF2B5EF4-FFF2-40B4-BE49-F238E27FC236}">
+                <a16:creationId xmlns:a16="http://schemas.microsoft.com/office/drawing/2014/main" id="{F834F064-8DA2-43B2-8849-94E23F71E343}"/>
+              </a:ext>
+            </a:extLst>
+          </p:cNvPr>
+          <p:cNvPicPr>
+            <a:picLocks noChangeAspect="1"/>
+          </p:cNvPicPr>
+          <p:nvPr/>
+        </p:nvPicPr>
+        <p:blipFill>
+          <a:blip r:embed="rId22"/>
+          <a:stretch>
+            <a:fillRect/>
+          </a:stretch>
+        </p:blipFill>
+        <p:spPr>
+          <a:xfrm>
+            <a:off x="10738613" y="4722512"/>
+            <a:ext cx="197688" cy="1255372"/>
+          </a:xfrm>
+          <a:prstGeom prst="rect">
+            <a:avLst/>
+          </a:prstGeom>
+        </p:spPr>
+      </p:pic>
+      <p:cxnSp>
+        <p:nvCxnSpPr>
+          <p:cNvPr id="110" name="Straight Connector 109">
+            <a:extLst>
+              <a:ext uri="{FF2B5EF4-FFF2-40B4-BE49-F238E27FC236}">
+                <a16:creationId xmlns:a16="http://schemas.microsoft.com/office/drawing/2014/main" id="{0F8397C8-072D-46AF-BFFB-30AA6F3A1E7A}"/>
+              </a:ext>
+            </a:extLst>
+          </p:cNvPr>
+          <p:cNvCxnSpPr/>
+          <p:nvPr/>
+        </p:nvCxnSpPr>
+        <p:spPr>
+          <a:xfrm>
+            <a:off x="7270750" y="4921250"/>
+            <a:ext cx="3467863" cy="0"/>
+          </a:xfrm>
+          <a:prstGeom prst="line">
+            <a:avLst/>
+          </a:prstGeom>
+          <a:ln w="28575">
+            <a:solidFill>
+              <a:srgbClr val="FF0000"/>
+            </a:solidFill>
+            <a:prstDash val="sysDash"/>
+          </a:ln>
+        </p:spPr>
+        <p:style>
+          <a:lnRef idx="1">
+            <a:schemeClr val="accent1"/>
+          </a:lnRef>
+          <a:fillRef idx="0">
+            <a:schemeClr val="accent1"/>
+          </a:fillRef>
+          <a:effectRef idx="0">
+            <a:schemeClr val="accent1"/>
+          </a:effectRef>
+          <a:fontRef idx="minor">
+            <a:schemeClr val="tx1"/>
+          </a:fontRef>
+        </p:style>
+      </p:cxnSp>
+      <p:sp>
+        <p:nvSpPr>
+          <p:cNvPr id="111" name="TextBox 110">
+            <a:extLst>
+              <a:ext uri="{FF2B5EF4-FFF2-40B4-BE49-F238E27FC236}">
+                <a16:creationId xmlns:a16="http://schemas.microsoft.com/office/drawing/2014/main" id="{BE51A155-6112-4837-890B-63D23E53CAF8}"/>
+              </a:ext>
+            </a:extLst>
+          </p:cNvPr>
+          <p:cNvSpPr txBox="1"/>
+          <p:nvPr/>
+        </p:nvSpPr>
+        <p:spPr>
+          <a:xfrm>
+            <a:off x="10774756" y="4736584"/>
+            <a:ext cx="700833" cy="369332"/>
+          </a:xfrm>
+          <a:prstGeom prst="rect">
+            <a:avLst/>
+          </a:prstGeom>
+          <a:noFill/>
+        </p:spPr>
+        <p:txBody>
+          <a:bodyPr wrap="none" rtlCol="0">
+            <a:spAutoFit/>
+          </a:bodyPr>
+          <a:lstStyle/>
+          <a:p>
+            <a:r>
+              <a:rPr lang="en-US" dirty="0">
+                <a:solidFill>
+                  <a:srgbClr val="FF0000"/>
+                </a:solidFill>
+              </a:rPr>
+              <a:t>45cm</a:t>
+            </a:r>
+          </a:p>
+        </p:txBody>
+      </p:sp>
+    </p:spTree>
+    <p:extLst>
+      <p:ext uri="{BB962C8B-B14F-4D97-AF65-F5344CB8AC3E}">
+        <p14:creationId xmlns:p14="http://schemas.microsoft.com/office/powerpoint/2010/main" val="1204427343"/>
+      </p:ext>
+    </p:extLst>
+  </p:cSld>
+  <p:clrMapOvr>
+    <a:masterClrMapping/>
+  </p:clrMapOvr>
+</p:sld>
+</file>
+
+<file path=ppt/slides/slide17.xml><?xml version="1.0" encoding="utf-8"?>
+<p:sld xmlns:a="http://schemas.openxmlformats.org/drawingml/2006/main" xmlns:r="http://schemas.openxmlformats.org/officeDocument/2006/relationships" xmlns:p="http://schemas.openxmlformats.org/presentationml/2006/main">
+  <p:cSld>
+    <p:spTree>
+      <p:nvGrpSpPr>
+        <p:cNvPr id="1" name=""/>
+        <p:cNvGrpSpPr/>
+        <p:nvPr/>
+      </p:nvGrpSpPr>
+      <p:grpSpPr>
+        <a:xfrm>
+          <a:off x="0" y="0"/>
+          <a:ext cx="0" cy="0"/>
+          <a:chOff x="0" y="0"/>
+          <a:chExt cx="0" cy="0"/>
+        </a:xfrm>
+      </p:grpSpPr>
+      <p:pic>
+        <p:nvPicPr>
+          <p:cNvPr id="3" name="Picture 2">
+            <a:extLst>
+              <a:ext uri="{FF2B5EF4-FFF2-40B4-BE49-F238E27FC236}">
+                <a16:creationId xmlns:a16="http://schemas.microsoft.com/office/drawing/2014/main" id="{75645711-9FA4-4262-AD96-C6E02235DB40}"/>
+              </a:ext>
+            </a:extLst>
+          </p:cNvPr>
+          <p:cNvPicPr>
+            <a:picLocks noChangeAspect="1"/>
+          </p:cNvPicPr>
+          <p:nvPr/>
+        </p:nvPicPr>
+        <p:blipFill>
+          <a:blip r:embed="rId2"/>
+          <a:stretch>
+            <a:fillRect/>
+          </a:stretch>
+        </p:blipFill>
+        <p:spPr>
+          <a:xfrm>
+            <a:off x="5923421" y="1912400"/>
+            <a:ext cx="821262" cy="721715"/>
+          </a:xfrm>
+          <a:prstGeom prst="rect">
+            <a:avLst/>
+          </a:prstGeom>
+        </p:spPr>
+      </p:pic>
+      <p:pic>
+        <p:nvPicPr>
+          <p:cNvPr id="4" name="Picture 3">
+            <a:extLst>
+              <a:ext uri="{FF2B5EF4-FFF2-40B4-BE49-F238E27FC236}">
+                <a16:creationId xmlns:a16="http://schemas.microsoft.com/office/drawing/2014/main" id="{002E3077-6983-4C46-9B82-1874417787E2}"/>
+              </a:ext>
+            </a:extLst>
+          </p:cNvPr>
+          <p:cNvPicPr>
+            <a:picLocks noChangeAspect="1"/>
+          </p:cNvPicPr>
+          <p:nvPr/>
+        </p:nvPicPr>
+        <p:blipFill>
+          <a:blip r:embed="rId3"/>
+          <a:stretch>
+            <a:fillRect/>
+          </a:stretch>
+        </p:blipFill>
+        <p:spPr>
+          <a:xfrm>
+            <a:off x="2680314" y="2497966"/>
+            <a:ext cx="683441" cy="612983"/>
+          </a:xfrm>
+          <a:prstGeom prst="rect">
+            <a:avLst/>
+          </a:prstGeom>
+        </p:spPr>
+      </p:pic>
+      <p:pic>
+        <p:nvPicPr>
+          <p:cNvPr id="6" name="Picture 5">
+            <a:extLst>
+              <a:ext uri="{FF2B5EF4-FFF2-40B4-BE49-F238E27FC236}">
+                <a16:creationId xmlns:a16="http://schemas.microsoft.com/office/drawing/2014/main" id="{19373390-7AFD-42F7-9485-DC16B86F34F4}"/>
+              </a:ext>
+            </a:extLst>
+          </p:cNvPr>
+          <p:cNvPicPr>
+            <a:picLocks noChangeAspect="1"/>
+          </p:cNvPicPr>
+          <p:nvPr/>
+        </p:nvPicPr>
+        <p:blipFill>
+          <a:blip r:embed="rId4"/>
+          <a:stretch>
+            <a:fillRect/>
+          </a:stretch>
+        </p:blipFill>
+        <p:spPr>
+          <a:xfrm>
+            <a:off x="2078504" y="1968259"/>
+            <a:ext cx="1340962" cy="441908"/>
+          </a:xfrm>
+          <a:prstGeom prst="rect">
+            <a:avLst/>
+          </a:prstGeom>
+        </p:spPr>
+      </p:pic>
+      <p:pic>
+        <p:nvPicPr>
+          <p:cNvPr id="7" name="Picture 6">
+            <a:extLst>
+              <a:ext uri="{FF2B5EF4-FFF2-40B4-BE49-F238E27FC236}">
+                <a16:creationId xmlns:a16="http://schemas.microsoft.com/office/drawing/2014/main" id="{71D66883-713E-4E42-9083-0A18C4607B74}"/>
+              </a:ext>
+            </a:extLst>
+          </p:cNvPr>
+          <p:cNvPicPr>
+            <a:picLocks noChangeAspect="1"/>
+          </p:cNvPicPr>
+          <p:nvPr/>
+        </p:nvPicPr>
+        <p:blipFill>
+          <a:blip r:embed="rId5"/>
+          <a:stretch>
+            <a:fillRect/>
+          </a:stretch>
+        </p:blipFill>
+        <p:spPr>
+          <a:xfrm>
+            <a:off x="1797689" y="1476171"/>
+            <a:ext cx="1590869" cy="441908"/>
+          </a:xfrm>
+          <a:prstGeom prst="rect">
+            <a:avLst/>
+          </a:prstGeom>
+        </p:spPr>
+      </p:pic>
+      <p:pic>
+        <p:nvPicPr>
+          <p:cNvPr id="8" name="Picture 7">
+            <a:extLst>
+              <a:ext uri="{FF2B5EF4-FFF2-40B4-BE49-F238E27FC236}">
+                <a16:creationId xmlns:a16="http://schemas.microsoft.com/office/drawing/2014/main" id="{71D1AC4A-7653-4594-9364-1CC1D70F2837}"/>
+              </a:ext>
+            </a:extLst>
+          </p:cNvPr>
+          <p:cNvPicPr>
+            <a:picLocks noChangeAspect="1"/>
+          </p:cNvPicPr>
+          <p:nvPr/>
+        </p:nvPicPr>
+        <p:blipFill>
+          <a:blip r:embed="rId6"/>
+          <a:stretch>
+            <a:fillRect/>
+          </a:stretch>
+        </p:blipFill>
+        <p:spPr>
+          <a:xfrm>
+            <a:off x="5923421" y="2755194"/>
+            <a:ext cx="1489993" cy="479538"/>
+          </a:xfrm>
+          <a:prstGeom prst="rect">
+            <a:avLst/>
+          </a:prstGeom>
+        </p:spPr>
+      </p:pic>
+      <p:pic>
+        <p:nvPicPr>
+          <p:cNvPr id="10" name="Picture 9">
+            <a:extLst>
+              <a:ext uri="{FF2B5EF4-FFF2-40B4-BE49-F238E27FC236}">
+                <a16:creationId xmlns:a16="http://schemas.microsoft.com/office/drawing/2014/main" id="{0950BE87-B4B7-4C96-863E-DE3CDF1937C3}"/>
+              </a:ext>
+            </a:extLst>
+          </p:cNvPr>
+          <p:cNvPicPr>
+            <a:picLocks noChangeAspect="1"/>
+          </p:cNvPicPr>
+          <p:nvPr/>
+        </p:nvPicPr>
+        <p:blipFill>
+          <a:blip r:embed="rId7"/>
+          <a:stretch>
+            <a:fillRect/>
+          </a:stretch>
+        </p:blipFill>
+        <p:spPr>
+          <a:xfrm>
+            <a:off x="5948583" y="3401830"/>
+            <a:ext cx="190760" cy="226502"/>
+          </a:xfrm>
+          <a:prstGeom prst="rect">
+            <a:avLst/>
+          </a:prstGeom>
+        </p:spPr>
+      </p:pic>
+      <p:pic>
+        <p:nvPicPr>
+          <p:cNvPr id="11" name="Picture 10">
+            <a:extLst>
+              <a:ext uri="{FF2B5EF4-FFF2-40B4-BE49-F238E27FC236}">
+                <a16:creationId xmlns:a16="http://schemas.microsoft.com/office/drawing/2014/main" id="{D2BEF281-4B70-4C3F-BE17-C82C362AC4F5}"/>
+              </a:ext>
+            </a:extLst>
+          </p:cNvPr>
+          <p:cNvPicPr>
+            <a:picLocks noChangeAspect="1"/>
+          </p:cNvPicPr>
+          <p:nvPr/>
+        </p:nvPicPr>
+        <p:blipFill>
+          <a:blip r:embed="rId8"/>
+          <a:stretch>
+            <a:fillRect/>
+          </a:stretch>
+        </p:blipFill>
+        <p:spPr>
+          <a:xfrm>
+            <a:off x="2367694" y="3216241"/>
+            <a:ext cx="996061" cy="383100"/>
+          </a:xfrm>
+          <a:prstGeom prst="rect">
+            <a:avLst/>
+          </a:prstGeom>
+        </p:spPr>
+      </p:pic>
+      <p:pic>
+        <p:nvPicPr>
+          <p:cNvPr id="12" name="Picture 11">
+            <a:extLst>
+              <a:ext uri="{FF2B5EF4-FFF2-40B4-BE49-F238E27FC236}">
+                <a16:creationId xmlns:a16="http://schemas.microsoft.com/office/drawing/2014/main" id="{7087FE41-9264-4921-97D2-F09EAF7509C3}"/>
+              </a:ext>
+            </a:extLst>
+          </p:cNvPr>
+          <p:cNvPicPr>
+            <a:picLocks noChangeAspect="1"/>
+          </p:cNvPicPr>
+          <p:nvPr/>
+        </p:nvPicPr>
+        <p:blipFill>
+          <a:blip r:embed="rId9"/>
+          <a:stretch>
+            <a:fillRect/>
+          </a:stretch>
+        </p:blipFill>
+        <p:spPr>
+          <a:xfrm>
+            <a:off x="5923421" y="1476171"/>
+            <a:ext cx="928949" cy="436229"/>
+          </a:xfrm>
+          <a:prstGeom prst="rect">
+            <a:avLst/>
+          </a:prstGeom>
+        </p:spPr>
+      </p:pic>
+    </p:spTree>
+    <p:extLst>
+      <p:ext uri="{BB962C8B-B14F-4D97-AF65-F5344CB8AC3E}">
+        <p14:creationId xmlns:p14="http://schemas.microsoft.com/office/powerpoint/2010/main" val="4293891007"/>
+      </p:ext>
+    </p:extLst>
+  </p:cSld>
+  <p:clrMapOvr>
+    <a:masterClrMapping/>
+  </p:clrMapOvr>
+</p:sld>
+</file>
+
 <file path=ppt/slides/slide2.xml><?xml version="1.0" encoding="utf-8"?>
 <p:sld xmlns:a="http://schemas.openxmlformats.org/drawingml/2006/main" xmlns:r="http://schemas.openxmlformats.org/officeDocument/2006/relationships" xmlns:p="http://schemas.openxmlformats.org/presentationml/2006/main">
   <p:cSld>
